--- a/documentation/Kvalifikacija darbs Valentīns Kaspers DP4-2.pptx
+++ b/documentation/Kvalifikacija darbs Valentīns Kaspers DP4-2.pptx
@@ -270,7 +270,7 @@
           <a:p>
             <a:fld id="{E9C7B326-3242-9E40-A077-FAEEB0A3B4D3}" type="datetimeFigureOut">
               <a:rPr lang="uk-UA" smtClean="0"/>
-              <a:t>31.05.2024</a:t>
+              <a:t>01.06.2024</a:t>
             </a:fld>
             <a:endParaRPr lang="uk-UA"/>
           </a:p>
@@ -499,7 +499,7 @@
           <a:p>
             <a:fld id="{E9C7B326-3242-9E40-A077-FAEEB0A3B4D3}" type="datetimeFigureOut">
               <a:rPr lang="uk-UA" smtClean="0"/>
-              <a:t>31.05.2024</a:t>
+              <a:t>01.06.2024</a:t>
             </a:fld>
             <a:endParaRPr lang="uk-UA"/>
           </a:p>
@@ -709,7 +709,7 @@
           <a:p>
             <a:fld id="{E9C7B326-3242-9E40-A077-FAEEB0A3B4D3}" type="datetimeFigureOut">
               <a:rPr lang="uk-UA" smtClean="0"/>
-              <a:t>31.05.2024</a:t>
+              <a:t>01.06.2024</a:t>
             </a:fld>
             <a:endParaRPr lang="uk-UA"/>
           </a:p>
@@ -909,7 +909,7 @@
           <a:p>
             <a:fld id="{E9C7B326-3242-9E40-A077-FAEEB0A3B4D3}" type="datetimeFigureOut">
               <a:rPr lang="uk-UA" smtClean="0"/>
-              <a:t>31.05.2024</a:t>
+              <a:t>01.06.2024</a:t>
             </a:fld>
             <a:endParaRPr lang="uk-UA"/>
           </a:p>
@@ -1185,7 +1185,7 @@
           <a:p>
             <a:fld id="{E9C7B326-3242-9E40-A077-FAEEB0A3B4D3}" type="datetimeFigureOut">
               <a:rPr lang="uk-UA" smtClean="0"/>
-              <a:t>31.05.2024</a:t>
+              <a:t>01.06.2024</a:t>
             </a:fld>
             <a:endParaRPr lang="uk-UA"/>
           </a:p>
@@ -1453,7 +1453,7 @@
           <a:p>
             <a:fld id="{E9C7B326-3242-9E40-A077-FAEEB0A3B4D3}" type="datetimeFigureOut">
               <a:rPr lang="uk-UA" smtClean="0"/>
-              <a:t>31.05.2024</a:t>
+              <a:t>01.06.2024</a:t>
             </a:fld>
             <a:endParaRPr lang="uk-UA"/>
           </a:p>
@@ -1868,7 +1868,7 @@
           <a:p>
             <a:fld id="{E9C7B326-3242-9E40-A077-FAEEB0A3B4D3}" type="datetimeFigureOut">
               <a:rPr lang="uk-UA" smtClean="0"/>
-              <a:t>31.05.2024</a:t>
+              <a:t>01.06.2024</a:t>
             </a:fld>
             <a:endParaRPr lang="uk-UA"/>
           </a:p>
@@ -2010,7 +2010,7 @@
           <a:p>
             <a:fld id="{E9C7B326-3242-9E40-A077-FAEEB0A3B4D3}" type="datetimeFigureOut">
               <a:rPr lang="uk-UA" smtClean="0"/>
-              <a:t>31.05.2024</a:t>
+              <a:t>01.06.2024</a:t>
             </a:fld>
             <a:endParaRPr lang="uk-UA"/>
           </a:p>
@@ -2123,7 +2123,7 @@
           <a:p>
             <a:fld id="{E9C7B326-3242-9E40-A077-FAEEB0A3B4D3}" type="datetimeFigureOut">
               <a:rPr lang="uk-UA" smtClean="0"/>
-              <a:t>31.05.2024</a:t>
+              <a:t>01.06.2024</a:t>
             </a:fld>
             <a:endParaRPr lang="uk-UA"/>
           </a:p>
@@ -2436,7 +2436,7 @@
           <a:p>
             <a:fld id="{E9C7B326-3242-9E40-A077-FAEEB0A3B4D3}" type="datetimeFigureOut">
               <a:rPr lang="uk-UA" smtClean="0"/>
-              <a:t>31.05.2024</a:t>
+              <a:t>01.06.2024</a:t>
             </a:fld>
             <a:endParaRPr lang="uk-UA"/>
           </a:p>
@@ -2725,7 +2725,7 @@
           <a:p>
             <a:fld id="{E9C7B326-3242-9E40-A077-FAEEB0A3B4D3}" type="datetimeFigureOut">
               <a:rPr lang="uk-UA" smtClean="0"/>
-              <a:t>31.05.2024</a:t>
+              <a:t>01.06.2024</a:t>
             </a:fld>
             <a:endParaRPr lang="uk-UA"/>
           </a:p>
@@ -2942,7 +2942,7 @@
           <a:p>
             <a:fld id="{E9C7B326-3242-9E40-A077-FAEEB0A3B4D3}" type="datetimeFigureOut">
               <a:rPr lang="uk-UA" smtClean="0"/>
-              <a:t>31.05.2024</a:t>
+              <a:t>01.06.2024</a:t>
             </a:fld>
             <a:endParaRPr lang="uk-UA"/>
           </a:p>
@@ -3548,7 +3548,7 @@
           <a:p>
             <a:pPr algn="l"/>
             <a:r>
-              <a:rPr lang="en-US" sz="5000" b="1" dirty="0" err="1">
+              <a:rPr lang="en-US" sz="5000" b="1" dirty="0">
                 <a:latin typeface="Times New Roman" panose="02020603050405020304" pitchFamily="18" charset="0"/>
                 <a:ea typeface="Times New Roman" panose="02020603050405020304" pitchFamily="18" charset="0"/>
               </a:rPr>
@@ -3605,20 +3605,12 @@
           <a:p>
             <a:pPr algn="l"/>
             <a:r>
-              <a:rPr lang="en-US" dirty="0" err="1">
-                <a:solidFill>
-                  <a:schemeClr val="bg1"/>
-                </a:solidFill>
-              </a:rPr>
-              <a:t>Kvalifikācijas</a:t>
-            </a:r>
-            <a:r>
               <a:rPr lang="en-US" dirty="0">
                 <a:solidFill>
                   <a:schemeClr val="bg1"/>
                 </a:solidFill>
               </a:rPr>
-              <a:t> darbs</a:t>
+              <a:t>Kvalifikācijas darbs</a:t>
             </a:r>
             <a:endParaRPr lang="lv-LV" dirty="0">
               <a:solidFill>
@@ -3771,7 +3763,7 @@
         </p:nvSpPr>
         <p:spPr>
           <a:xfrm>
-            <a:off x="-271157" y="3417697"/>
+            <a:off x="-271157" y="3333807"/>
             <a:ext cx="10515600" cy="933323"/>
           </a:xfrm>
         </p:spPr>
@@ -3895,20 +3887,12 @@
               </a:spcAft>
             </a:pPr>
             <a:r>
-              <a:rPr lang="en-US" b="1" dirty="0" err="1">
-                <a:latin typeface="Times New Roman" panose="02020603050405020304" pitchFamily="18" charset="0"/>
-                <a:ea typeface="Calibri" panose="020F0502020204030204" pitchFamily="34" charset="0"/>
-                <a:cs typeface="Times New Roman" panose="02020603050405020304" pitchFamily="18" charset="0"/>
-              </a:rPr>
-              <a:t>Kvalifikācijas</a:t>
-            </a:r>
-            <a:r>
               <a:rPr lang="en-US" b="1" dirty="0">
                 <a:latin typeface="Times New Roman" panose="02020603050405020304" pitchFamily="18" charset="0"/>
                 <a:ea typeface="Calibri" panose="020F0502020204030204" pitchFamily="34" charset="0"/>
                 <a:cs typeface="Times New Roman" panose="02020603050405020304" pitchFamily="18" charset="0"/>
               </a:rPr>
-              <a:t> darba tēma: </a:t>
+              <a:t>Kvalifikācijas darba tēma: </a:t>
             </a:r>
             <a:r>
               <a:rPr lang="en-US" dirty="0">
@@ -5910,7 +5894,7 @@
         </p:nvSpPr>
         <p:spPr>
           <a:xfrm>
-            <a:off x="427139" y="582567"/>
+            <a:off x="427139" y="588439"/>
             <a:ext cx="9622872" cy="933323"/>
           </a:xfrm>
         </p:spPr>

--- a/documentation/Kvalifikacija darbs Valentīns Kaspers DP4-2.pptx
+++ b/documentation/Kvalifikacija darbs Valentīns Kaspers DP4-2.pptx
@@ -7,14 +7,15 @@
   <p:sldIdLst>
     <p:sldId id="256" r:id="rId2"/>
     <p:sldId id="258" r:id="rId3"/>
-    <p:sldId id="259" r:id="rId4"/>
-    <p:sldId id="260" r:id="rId5"/>
-    <p:sldId id="261" r:id="rId6"/>
-    <p:sldId id="262" r:id="rId7"/>
-    <p:sldId id="263" r:id="rId8"/>
-    <p:sldId id="264" r:id="rId9"/>
-    <p:sldId id="265" r:id="rId10"/>
-    <p:sldId id="266" r:id="rId11"/>
+    <p:sldId id="268" r:id="rId4"/>
+    <p:sldId id="269" r:id="rId5"/>
+    <p:sldId id="260" r:id="rId6"/>
+    <p:sldId id="261" r:id="rId7"/>
+    <p:sldId id="262" r:id="rId8"/>
+    <p:sldId id="263" r:id="rId9"/>
+    <p:sldId id="264" r:id="rId10"/>
+    <p:sldId id="265" r:id="rId11"/>
+    <p:sldId id="266" r:id="rId12"/>
   </p:sldIdLst>
   <p:sldSz cx="12192000" cy="6858000"/>
   <p:notesSz cx="6858000" cy="9144000"/>
@@ -270,7 +271,7 @@
           <a:p>
             <a:fld id="{E9C7B326-3242-9E40-A077-FAEEB0A3B4D3}" type="datetimeFigureOut">
               <a:rPr lang="uk-UA" smtClean="0"/>
-              <a:t>01.06.2024</a:t>
+              <a:t>09.06.2024</a:t>
             </a:fld>
             <a:endParaRPr lang="uk-UA"/>
           </a:p>
@@ -369,6 +370,18 @@
   <p:clrMapOvr>
     <a:masterClrMapping/>
   </p:clrMapOvr>
+  <mc:AlternateContent xmlns:mc="http://schemas.openxmlformats.org/markup-compatibility/2006">
+    <mc:Choice xmlns:p14="http://schemas.microsoft.com/office/powerpoint/2010/main" Requires="p14">
+      <p:transition spd="slow">
+        <p14:reveal/>
+      </p:transition>
+    </mc:Choice>
+    <mc:Fallback>
+      <p:transition spd="slow">
+        <p:fade/>
+      </p:transition>
+    </mc:Fallback>
+  </mc:AlternateContent>
 </p:sldLayout>
 </file>
 
@@ -499,7 +512,7 @@
           <a:p>
             <a:fld id="{E9C7B326-3242-9E40-A077-FAEEB0A3B4D3}" type="datetimeFigureOut">
               <a:rPr lang="uk-UA" smtClean="0"/>
-              <a:t>01.06.2024</a:t>
+              <a:t>09.06.2024</a:t>
             </a:fld>
             <a:endParaRPr lang="uk-UA"/>
           </a:p>
@@ -569,6 +582,18 @@
   <p:clrMapOvr>
     <a:masterClrMapping/>
   </p:clrMapOvr>
+  <mc:AlternateContent xmlns:mc="http://schemas.openxmlformats.org/markup-compatibility/2006">
+    <mc:Choice xmlns:p14="http://schemas.microsoft.com/office/powerpoint/2010/main" Requires="p14">
+      <p:transition spd="slow">
+        <p14:reveal/>
+      </p:transition>
+    </mc:Choice>
+    <mc:Fallback>
+      <p:transition spd="slow">
+        <p:fade/>
+      </p:transition>
+    </mc:Fallback>
+  </mc:AlternateContent>
 </p:sldLayout>
 </file>
 
@@ -709,7 +734,7 @@
           <a:p>
             <a:fld id="{E9C7B326-3242-9E40-A077-FAEEB0A3B4D3}" type="datetimeFigureOut">
               <a:rPr lang="uk-UA" smtClean="0"/>
-              <a:t>01.06.2024</a:t>
+              <a:t>09.06.2024</a:t>
             </a:fld>
             <a:endParaRPr lang="uk-UA"/>
           </a:p>
@@ -779,6 +804,18 @@
   <p:clrMapOvr>
     <a:masterClrMapping/>
   </p:clrMapOvr>
+  <mc:AlternateContent xmlns:mc="http://schemas.openxmlformats.org/markup-compatibility/2006">
+    <mc:Choice xmlns:p14="http://schemas.microsoft.com/office/powerpoint/2010/main" Requires="p14">
+      <p:transition spd="slow">
+        <p14:reveal/>
+      </p:transition>
+    </mc:Choice>
+    <mc:Fallback>
+      <p:transition spd="slow">
+        <p:fade/>
+      </p:transition>
+    </mc:Fallback>
+  </mc:AlternateContent>
 </p:sldLayout>
 </file>
 
@@ -909,7 +946,7 @@
           <a:p>
             <a:fld id="{E9C7B326-3242-9E40-A077-FAEEB0A3B4D3}" type="datetimeFigureOut">
               <a:rPr lang="uk-UA" smtClean="0"/>
-              <a:t>01.06.2024</a:t>
+              <a:t>09.06.2024</a:t>
             </a:fld>
             <a:endParaRPr lang="uk-UA"/>
           </a:p>
@@ -979,6 +1016,18 @@
   <p:clrMapOvr>
     <a:masterClrMapping/>
   </p:clrMapOvr>
+  <mc:AlternateContent xmlns:mc="http://schemas.openxmlformats.org/markup-compatibility/2006">
+    <mc:Choice xmlns:p14="http://schemas.microsoft.com/office/powerpoint/2010/main" Requires="p14">
+      <p:transition spd="slow">
+        <p14:reveal/>
+      </p:transition>
+    </mc:Choice>
+    <mc:Fallback>
+      <p:transition spd="slow">
+        <p:fade/>
+      </p:transition>
+    </mc:Fallback>
+  </mc:AlternateContent>
 </p:sldLayout>
 </file>
 
@@ -1185,7 +1234,7 @@
           <a:p>
             <a:fld id="{E9C7B326-3242-9E40-A077-FAEEB0A3B4D3}" type="datetimeFigureOut">
               <a:rPr lang="uk-UA" smtClean="0"/>
-              <a:t>01.06.2024</a:t>
+              <a:t>09.06.2024</a:t>
             </a:fld>
             <a:endParaRPr lang="uk-UA"/>
           </a:p>
@@ -1255,6 +1304,18 @@
   <p:clrMapOvr>
     <a:masterClrMapping/>
   </p:clrMapOvr>
+  <mc:AlternateContent xmlns:mc="http://schemas.openxmlformats.org/markup-compatibility/2006">
+    <mc:Choice xmlns:p14="http://schemas.microsoft.com/office/powerpoint/2010/main" Requires="p14">
+      <p:transition spd="slow">
+        <p14:reveal/>
+      </p:transition>
+    </mc:Choice>
+    <mc:Fallback>
+      <p:transition spd="slow">
+        <p:fade/>
+      </p:transition>
+    </mc:Fallback>
+  </mc:AlternateContent>
 </p:sldLayout>
 </file>
 
@@ -1453,7 +1514,7 @@
           <a:p>
             <a:fld id="{E9C7B326-3242-9E40-A077-FAEEB0A3B4D3}" type="datetimeFigureOut">
               <a:rPr lang="uk-UA" smtClean="0"/>
-              <a:t>01.06.2024</a:t>
+              <a:t>09.06.2024</a:t>
             </a:fld>
             <a:endParaRPr lang="uk-UA"/>
           </a:p>
@@ -1523,6 +1584,18 @@
   <p:clrMapOvr>
     <a:masterClrMapping/>
   </p:clrMapOvr>
+  <mc:AlternateContent xmlns:mc="http://schemas.openxmlformats.org/markup-compatibility/2006">
+    <mc:Choice xmlns:p14="http://schemas.microsoft.com/office/powerpoint/2010/main" Requires="p14">
+      <p:transition spd="slow">
+        <p14:reveal/>
+      </p:transition>
+    </mc:Choice>
+    <mc:Fallback>
+      <p:transition spd="slow">
+        <p:fade/>
+      </p:transition>
+    </mc:Fallback>
+  </mc:AlternateContent>
 </p:sldLayout>
 </file>
 
@@ -1868,7 +1941,7 @@
           <a:p>
             <a:fld id="{E9C7B326-3242-9E40-A077-FAEEB0A3B4D3}" type="datetimeFigureOut">
               <a:rPr lang="uk-UA" smtClean="0"/>
-              <a:t>01.06.2024</a:t>
+              <a:t>09.06.2024</a:t>
             </a:fld>
             <a:endParaRPr lang="uk-UA"/>
           </a:p>
@@ -1938,6 +2011,18 @@
   <p:clrMapOvr>
     <a:masterClrMapping/>
   </p:clrMapOvr>
+  <mc:AlternateContent xmlns:mc="http://schemas.openxmlformats.org/markup-compatibility/2006">
+    <mc:Choice xmlns:p14="http://schemas.microsoft.com/office/powerpoint/2010/main" Requires="p14">
+      <p:transition spd="slow">
+        <p14:reveal/>
+      </p:transition>
+    </mc:Choice>
+    <mc:Fallback>
+      <p:transition spd="slow">
+        <p:fade/>
+      </p:transition>
+    </mc:Fallback>
+  </mc:AlternateContent>
 </p:sldLayout>
 </file>
 
@@ -2010,7 +2095,7 @@
           <a:p>
             <a:fld id="{E9C7B326-3242-9E40-A077-FAEEB0A3B4D3}" type="datetimeFigureOut">
               <a:rPr lang="uk-UA" smtClean="0"/>
-              <a:t>01.06.2024</a:t>
+              <a:t>09.06.2024</a:t>
             </a:fld>
             <a:endParaRPr lang="uk-UA"/>
           </a:p>
@@ -2080,6 +2165,18 @@
   <p:clrMapOvr>
     <a:masterClrMapping/>
   </p:clrMapOvr>
+  <mc:AlternateContent xmlns:mc="http://schemas.openxmlformats.org/markup-compatibility/2006">
+    <mc:Choice xmlns:p14="http://schemas.microsoft.com/office/powerpoint/2010/main" Requires="p14">
+      <p:transition spd="slow">
+        <p14:reveal/>
+      </p:transition>
+    </mc:Choice>
+    <mc:Fallback>
+      <p:transition spd="slow">
+        <p:fade/>
+      </p:transition>
+    </mc:Fallback>
+  </mc:AlternateContent>
 </p:sldLayout>
 </file>
 
@@ -2123,7 +2220,7 @@
           <a:p>
             <a:fld id="{E9C7B326-3242-9E40-A077-FAEEB0A3B4D3}" type="datetimeFigureOut">
               <a:rPr lang="uk-UA" smtClean="0"/>
-              <a:t>01.06.2024</a:t>
+              <a:t>09.06.2024</a:t>
             </a:fld>
             <a:endParaRPr lang="uk-UA"/>
           </a:p>
@@ -2193,6 +2290,18 @@
   <p:clrMapOvr>
     <a:masterClrMapping/>
   </p:clrMapOvr>
+  <mc:AlternateContent xmlns:mc="http://schemas.openxmlformats.org/markup-compatibility/2006">
+    <mc:Choice xmlns:p14="http://schemas.microsoft.com/office/powerpoint/2010/main" Requires="p14">
+      <p:transition spd="slow">
+        <p14:reveal/>
+      </p:transition>
+    </mc:Choice>
+    <mc:Fallback>
+      <p:transition spd="slow">
+        <p:fade/>
+      </p:transition>
+    </mc:Fallback>
+  </mc:AlternateContent>
 </p:sldLayout>
 </file>
 
@@ -2436,7 +2545,7 @@
           <a:p>
             <a:fld id="{E9C7B326-3242-9E40-A077-FAEEB0A3B4D3}" type="datetimeFigureOut">
               <a:rPr lang="uk-UA" smtClean="0"/>
-              <a:t>01.06.2024</a:t>
+              <a:t>09.06.2024</a:t>
             </a:fld>
             <a:endParaRPr lang="uk-UA"/>
           </a:p>
@@ -2506,6 +2615,18 @@
   <p:clrMapOvr>
     <a:masterClrMapping/>
   </p:clrMapOvr>
+  <mc:AlternateContent xmlns:mc="http://schemas.openxmlformats.org/markup-compatibility/2006">
+    <mc:Choice xmlns:p14="http://schemas.microsoft.com/office/powerpoint/2010/main" Requires="p14">
+      <p:transition spd="slow">
+        <p14:reveal/>
+      </p:transition>
+    </mc:Choice>
+    <mc:Fallback>
+      <p:transition spd="slow">
+        <p:fade/>
+      </p:transition>
+    </mc:Fallback>
+  </mc:AlternateContent>
 </p:sldLayout>
 </file>
 
@@ -2725,7 +2846,7 @@
           <a:p>
             <a:fld id="{E9C7B326-3242-9E40-A077-FAEEB0A3B4D3}" type="datetimeFigureOut">
               <a:rPr lang="uk-UA" smtClean="0"/>
-              <a:t>01.06.2024</a:t>
+              <a:t>09.06.2024</a:t>
             </a:fld>
             <a:endParaRPr lang="uk-UA"/>
           </a:p>
@@ -2795,6 +2916,18 @@
   <p:clrMapOvr>
     <a:masterClrMapping/>
   </p:clrMapOvr>
+  <mc:AlternateContent xmlns:mc="http://schemas.openxmlformats.org/markup-compatibility/2006">
+    <mc:Choice xmlns:p14="http://schemas.microsoft.com/office/powerpoint/2010/main" Requires="p14">
+      <p:transition spd="slow">
+        <p14:reveal/>
+      </p:transition>
+    </mc:Choice>
+    <mc:Fallback>
+      <p:transition spd="slow">
+        <p:fade/>
+      </p:transition>
+    </mc:Fallback>
+  </mc:AlternateContent>
 </p:sldLayout>
 </file>
 
@@ -2942,7 +3075,7 @@
           <a:p>
             <a:fld id="{E9C7B326-3242-9E40-A077-FAEEB0A3B4D3}" type="datetimeFigureOut">
               <a:rPr lang="uk-UA" smtClean="0"/>
-              <a:t>01.06.2024</a:t>
+              <a:t>09.06.2024</a:t>
             </a:fld>
             <a:endParaRPr lang="uk-UA"/>
           </a:p>
@@ -3218,6 +3351,18 @@
     <p:sldLayoutId id="2147483658" r:id="rId10"/>
     <p:sldLayoutId id="2147483659" r:id="rId11"/>
   </p:sldLayoutIdLst>
+  <mc:AlternateContent xmlns:mc="http://schemas.openxmlformats.org/markup-compatibility/2006">
+    <mc:Choice xmlns:p14="http://schemas.microsoft.com/office/powerpoint/2010/main" Requires="p14">
+      <p:transition spd="slow">
+        <p14:reveal/>
+      </p:transition>
+    </mc:Choice>
+    <mc:Fallback>
+      <p:transition spd="slow">
+        <p:fade/>
+      </p:transition>
+    </mc:Fallback>
+  </mc:AlternateContent>
   <p:txStyles>
     <p:titleStyle>
       <a:lvl1pPr algn="l" defTabSz="914400" rtl="0" eaLnBrk="1" latinLnBrk="0" hangingPunct="1">
@@ -3536,7 +3681,7 @@
         </p:nvSpPr>
         <p:spPr>
           <a:xfrm>
-            <a:off x="326051" y="1937521"/>
+            <a:off x="175049" y="1887187"/>
             <a:ext cx="6301251" cy="2760155"/>
           </a:xfrm>
         </p:spPr>
@@ -3548,31 +3693,35 @@
           <a:p>
             <a:pPr algn="l"/>
             <a:r>
-              <a:rPr lang="en-US" sz="5000" b="1" dirty="0">
-                <a:latin typeface="Times New Roman" panose="02020603050405020304" pitchFamily="18" charset="0"/>
+              <a:rPr lang="en-US" sz="4400" b="1" dirty="0">
+                <a:latin typeface="Arial" panose="020B0604020202020204" pitchFamily="34" charset="0"/>
                 <a:ea typeface="Times New Roman" panose="02020603050405020304" pitchFamily="18" charset="0"/>
+                <a:cs typeface="Arial" panose="020B0604020202020204" pitchFamily="34" charset="0"/>
               </a:rPr>
               <a:t>Finan</a:t>
             </a:r>
             <a:r>
-              <a:rPr lang="lv-LV" sz="5000" b="1" dirty="0">
-                <a:latin typeface="Times New Roman" panose="02020603050405020304" pitchFamily="18" charset="0"/>
+              <a:rPr lang="lv-LV" sz="4400" b="1" dirty="0">
+                <a:latin typeface="Arial" panose="020B0604020202020204" pitchFamily="34" charset="0"/>
                 <a:ea typeface="Times New Roman" panose="02020603050405020304" pitchFamily="18" charset="0"/>
+                <a:cs typeface="Arial" panose="020B0604020202020204" pitchFamily="34" charset="0"/>
               </a:rPr>
               <a:t>šu sistēmas</a:t>
             </a:r>
             <a:r>
-              <a:rPr lang="en-US" sz="5000" b="1" dirty="0">
-                <a:latin typeface="Times New Roman" panose="02020603050405020304" pitchFamily="18" charset="0"/>
+              <a:rPr lang="en-US" sz="4400" b="1" dirty="0">
+                <a:latin typeface="Arial" panose="020B0604020202020204" pitchFamily="34" charset="0"/>
                 <a:ea typeface="Times New Roman" panose="02020603050405020304" pitchFamily="18" charset="0"/>
+                <a:cs typeface="Arial" panose="020B0604020202020204" pitchFamily="34" charset="0"/>
               </a:rPr>
               <a:t> tīmekļa vietne</a:t>
             </a:r>
-            <a:endParaRPr lang="uk-UA" sz="5000" dirty="0">
+            <a:endParaRPr lang="uk-UA" sz="4400" dirty="0">
               <a:solidFill>
                 <a:schemeClr val="bg1"/>
               </a:solidFill>
-              <a:latin typeface="Seravek" panose="020B0503040000020004" pitchFamily="34" charset="0"/>
+              <a:latin typeface="Arial" panose="020B0604020202020204" pitchFamily="34" charset="0"/>
+              <a:cs typeface="Arial" panose="020B0604020202020204" pitchFamily="34" charset="0"/>
             </a:endParaRPr>
           </a:p>
         </p:txBody>
@@ -3595,7 +3744,7 @@
         </p:nvSpPr>
         <p:spPr>
           <a:xfrm>
-            <a:off x="326051" y="5142089"/>
+            <a:off x="175049" y="5142089"/>
             <a:ext cx="5370576" cy="1655762"/>
           </a:xfrm>
         </p:spPr>
@@ -3609,6 +3758,8 @@
                 <a:solidFill>
                   <a:schemeClr val="bg1"/>
                 </a:solidFill>
+                <a:latin typeface="Arial" panose="020B0604020202020204" pitchFamily="34" charset="0"/>
+                <a:cs typeface="Arial" panose="020B0604020202020204" pitchFamily="34" charset="0"/>
               </a:rPr>
               <a:t>Kvalifikācijas darbs</a:t>
             </a:r>
@@ -3616,6 +3767,8 @@
               <a:solidFill>
                 <a:schemeClr val="bg1"/>
               </a:solidFill>
+              <a:latin typeface="Arial" panose="020B0604020202020204" pitchFamily="34" charset="0"/>
+              <a:cs typeface="Arial" panose="020B0604020202020204" pitchFamily="34" charset="0"/>
             </a:endParaRPr>
           </a:p>
           <a:p>
@@ -3625,6 +3778,8 @@
                 <a:solidFill>
                   <a:schemeClr val="bg1"/>
                 </a:solidFill>
+                <a:latin typeface="Arial" panose="020B0604020202020204" pitchFamily="34" charset="0"/>
+                <a:cs typeface="Arial" panose="020B0604020202020204" pitchFamily="34" charset="0"/>
               </a:rPr>
               <a:t>Valentīns Kaspers </a:t>
             </a:r>
@@ -3633,6 +3788,8 @@
                 <a:solidFill>
                   <a:schemeClr val="bg1"/>
                 </a:solidFill>
+                <a:latin typeface="Arial" panose="020B0604020202020204" pitchFamily="34" charset="0"/>
+                <a:cs typeface="Arial" panose="020B0604020202020204" pitchFamily="34" charset="0"/>
               </a:rPr>
               <a:t>D</a:t>
             </a:r>
@@ -3641,6 +3798,8 @@
                 <a:solidFill>
                   <a:schemeClr val="bg1"/>
                 </a:solidFill>
+                <a:latin typeface="Arial" panose="020B0604020202020204" pitchFamily="34" charset="0"/>
+                <a:cs typeface="Arial" panose="020B0604020202020204" pitchFamily="34" charset="0"/>
               </a:rPr>
               <a:t>P</a:t>
             </a:r>
@@ -3649,6 +3808,8 @@
                 <a:solidFill>
                   <a:schemeClr val="bg1"/>
                 </a:solidFill>
+                <a:latin typeface="Arial" panose="020B0604020202020204" pitchFamily="34" charset="0"/>
+                <a:cs typeface="Arial" panose="020B0604020202020204" pitchFamily="34" charset="0"/>
               </a:rPr>
               <a:t>4-2</a:t>
             </a:r>
@@ -3656,6 +3817,8 @@
               <a:solidFill>
                 <a:schemeClr val="bg1"/>
               </a:solidFill>
+              <a:latin typeface="Arial" panose="020B0604020202020204" pitchFamily="34" charset="0"/>
+              <a:cs typeface="Arial" panose="020B0604020202020204" pitchFamily="34" charset="0"/>
             </a:endParaRPr>
           </a:p>
           <a:p>
@@ -3665,6 +3828,8 @@
                 <a:solidFill>
                   <a:schemeClr val="bg1"/>
                 </a:solidFill>
+                <a:latin typeface="Arial" panose="020B0604020202020204" pitchFamily="34" charset="0"/>
+                <a:cs typeface="Arial" panose="020B0604020202020204" pitchFamily="34" charset="0"/>
               </a:rPr>
               <a:t>30</a:t>
             </a:r>
@@ -3673,6 +3838,8 @@
                 <a:solidFill>
                   <a:schemeClr val="bg1"/>
                 </a:solidFill>
+                <a:latin typeface="Arial" panose="020B0604020202020204" pitchFamily="34" charset="0"/>
+                <a:cs typeface="Arial" panose="020B0604020202020204" pitchFamily="34" charset="0"/>
               </a:rPr>
               <a:t>.0</a:t>
             </a:r>
@@ -3681,6 +3848,8 @@
                 <a:solidFill>
                   <a:schemeClr val="bg1"/>
                 </a:solidFill>
+                <a:latin typeface="Arial" panose="020B0604020202020204" pitchFamily="34" charset="0"/>
+                <a:cs typeface="Arial" panose="020B0604020202020204" pitchFamily="34" charset="0"/>
               </a:rPr>
               <a:t>5</a:t>
             </a:r>
@@ -3689,6 +3858,8 @@
                 <a:solidFill>
                   <a:schemeClr val="bg1"/>
                 </a:solidFill>
+                <a:latin typeface="Arial" panose="020B0604020202020204" pitchFamily="34" charset="0"/>
+                <a:cs typeface="Arial" panose="020B0604020202020204" pitchFamily="34" charset="0"/>
               </a:rPr>
               <a:t>.20</a:t>
             </a:r>
@@ -3697,6 +3868,8 @@
                 <a:solidFill>
                   <a:schemeClr val="bg1"/>
                 </a:solidFill>
+                <a:latin typeface="Arial" panose="020B0604020202020204" pitchFamily="34" charset="0"/>
+                <a:cs typeface="Arial" panose="020B0604020202020204" pitchFamily="34" charset="0"/>
               </a:rPr>
               <a:t>24</a:t>
             </a:r>
@@ -3704,6 +3877,8 @@
               <a:solidFill>
                 <a:schemeClr val="bg1"/>
               </a:solidFill>
+              <a:latin typeface="Arial" panose="020B0604020202020204" pitchFamily="34" charset="0"/>
+              <a:cs typeface="Arial" panose="020B0604020202020204" pitchFamily="34" charset="0"/>
             </a:endParaRPr>
           </a:p>
         </p:txBody>
@@ -3718,6 +3893,18 @@
   <p:clrMapOvr>
     <a:masterClrMapping/>
   </p:clrMapOvr>
+  <mc:AlternateContent xmlns:mc="http://schemas.openxmlformats.org/markup-compatibility/2006">
+    <mc:Choice xmlns:p14="http://schemas.microsoft.com/office/powerpoint/2010/main" Requires="p14">
+      <p:transition spd="slow">
+        <p14:reveal/>
+      </p:transition>
+    </mc:Choice>
+    <mc:Fallback>
+      <p:transition spd="slow">
+        <p:fade/>
+      </p:transition>
+    </mc:Fallback>
+  </mc:AlternateContent>
   <p:timing>
     <p:tnLst>
       <p:par>
@@ -3763,11 +3950,125 @@
         </p:nvSpPr>
         <p:spPr>
           <a:xfrm>
-            <a:off x="-271157" y="3333807"/>
+            <a:off x="-280682" y="255397"/>
             <a:ext cx="10515600" cy="933323"/>
           </a:xfrm>
         </p:spPr>
         <p:txBody>
+          <a:bodyPr/>
+          <a:lstStyle/>
+          <a:p>
+            <a:pPr algn="ctr"/>
+            <a:r>
+              <a:rPr lang="lv-LV" b="1" dirty="0" smtClean="0">
+                <a:latin typeface="Arial" panose="020B0604020202020204" pitchFamily="34" charset="0"/>
+                <a:cs typeface="Arial" panose="020B0604020202020204" pitchFamily="34" charset="0"/>
+              </a:rPr>
+              <a:t>LAPAS IZSKATS</a:t>
+            </a:r>
+            <a:endParaRPr lang="ru-RU" b="1" dirty="0">
+              <a:latin typeface="Arial" panose="020B0604020202020204" pitchFamily="34" charset="0"/>
+              <a:cs typeface="Arial" panose="020B0604020202020204" pitchFamily="34" charset="0"/>
+            </a:endParaRPr>
+          </a:p>
+        </p:txBody>
+      </p:sp>
+      <p:pic>
+        <p:nvPicPr>
+          <p:cNvPr id="5" name="Рисунок 4"/>
+          <p:cNvPicPr>
+            <a:picLocks noChangeAspect="1"/>
+          </p:cNvPicPr>
+          <p:nvPr/>
+        </p:nvPicPr>
+        <p:blipFill>
+          <a:blip r:embed="rId2"/>
+          <a:stretch>
+            <a:fillRect/>
+          </a:stretch>
+        </p:blipFill>
+        <p:spPr>
+          <a:xfrm>
+            <a:off x="534067" y="1862007"/>
+            <a:ext cx="9188773" cy="3856003"/>
+          </a:xfrm>
+          <a:prstGeom prst="rect">
+            <a:avLst/>
+          </a:prstGeom>
+        </p:spPr>
+      </p:pic>
+    </p:spTree>
+    <p:extLst>
+      <p:ext uri="{BB962C8B-B14F-4D97-AF65-F5344CB8AC3E}">
+        <p14:creationId xmlns:p14="http://schemas.microsoft.com/office/powerpoint/2010/main" val="289869498"/>
+      </p:ext>
+    </p:extLst>
+  </p:cSld>
+  <p:clrMapOvr>
+    <a:masterClrMapping/>
+  </p:clrMapOvr>
+  <mc:AlternateContent xmlns:mc="http://schemas.openxmlformats.org/markup-compatibility/2006">
+    <mc:Choice xmlns:p14="http://schemas.microsoft.com/office/powerpoint/2010/main" Requires="p14">
+      <p:transition spd="slow">
+        <p14:reveal/>
+      </p:transition>
+    </mc:Choice>
+    <mc:Fallback>
+      <p:transition spd="slow">
+        <p:fade/>
+      </p:transition>
+    </mc:Fallback>
+  </mc:AlternateContent>
+  <p:timing>
+    <p:tnLst>
+      <p:par>
+        <p:cTn id="1" dur="indefinite" restart="never" nodeType="tmRoot"/>
+      </p:par>
+    </p:tnLst>
+  </p:timing>
+</p:sld>
+</file>
+
+<file path=ppt/slides/slide11.xml><?xml version="1.0" encoding="utf-8"?>
+<p:sld xmlns:a="http://schemas.openxmlformats.org/drawingml/2006/main" xmlns:r="http://schemas.openxmlformats.org/officeDocument/2006/relationships" xmlns:p="http://schemas.openxmlformats.org/presentationml/2006/main">
+  <p:cSld>
+    <p:spTree>
+      <p:nvGrpSpPr>
+        <p:cNvPr id="1" name=""/>
+        <p:cNvGrpSpPr/>
+        <p:nvPr/>
+      </p:nvGrpSpPr>
+      <p:grpSpPr>
+        <a:xfrm>
+          <a:off x="0" y="0"/>
+          <a:ext cx="0" cy="0"/>
+          <a:chOff x="0" y="0"/>
+          <a:chExt cx="0" cy="0"/>
+        </a:xfrm>
+      </p:grpSpPr>
+      <p:sp>
+        <p:nvSpPr>
+          <p:cNvPr id="2" name="Title 1">
+            <a:extLst>
+              <a:ext uri="{FF2B5EF4-FFF2-40B4-BE49-F238E27FC236}">
+                <a16:creationId xmlns:a16="http://schemas.microsoft.com/office/drawing/2014/main" id="{2061F102-B500-044D-B150-F1882D7D6325}"/>
+              </a:ext>
+            </a:extLst>
+          </p:cNvPr>
+          <p:cNvSpPr>
+            <a:spLocks noGrp="1"/>
+          </p:cNvSpPr>
+          <p:nvPr>
+            <p:ph type="title"/>
+          </p:nvPr>
+        </p:nvSpPr>
+        <p:spPr>
+          <a:xfrm>
+            <a:off x="-271157" y="3417697"/>
+            <a:ext cx="10515600" cy="933323"/>
+          </a:xfrm>
+        </p:spPr>
+        <p:txBody>
           <a:bodyPr>
             <a:normAutofit/>
           </a:bodyPr>
@@ -3776,14 +4077,14 @@
             <a:pPr algn="ctr"/>
             <a:r>
               <a:rPr lang="lv-LV" sz="5400" b="1" dirty="0" smtClean="0">
-                <a:latin typeface="Times New Roman" panose="02020603050405020304" pitchFamily="18" charset="0"/>
-                <a:cs typeface="Times New Roman" panose="02020603050405020304" pitchFamily="18" charset="0"/>
+                <a:latin typeface="Arial" panose="020B0604020202020204" pitchFamily="34" charset="0"/>
+                <a:cs typeface="Arial" panose="020B0604020202020204" pitchFamily="34" charset="0"/>
               </a:rPr>
               <a:t>PALDIES PAR UZMANĪBU !</a:t>
             </a:r>
             <a:endParaRPr lang="ru-RU" sz="5400" b="1" dirty="0">
-              <a:latin typeface="Times New Roman" panose="02020603050405020304" pitchFamily="18" charset="0"/>
-              <a:cs typeface="Times New Roman" panose="02020603050405020304" pitchFamily="18" charset="0"/>
+              <a:latin typeface="Arial" panose="020B0604020202020204" pitchFamily="34" charset="0"/>
+              <a:cs typeface="Arial" panose="020B0604020202020204" pitchFamily="34" charset="0"/>
             </a:endParaRPr>
           </a:p>
         </p:txBody>
@@ -3798,6 +4099,18 @@
   <p:clrMapOvr>
     <a:masterClrMapping/>
   </p:clrMapOvr>
+  <mc:AlternateContent xmlns:mc="http://schemas.openxmlformats.org/markup-compatibility/2006">
+    <mc:Choice xmlns:p14="http://schemas.microsoft.com/office/powerpoint/2010/main" Requires="p14">
+      <p:transition spd="slow">
+        <p14:reveal/>
+      </p:transition>
+    </mc:Choice>
+    <mc:Fallback>
+      <p:transition spd="slow">
+        <p:fade/>
+      </p:transition>
+    </mc:Fallback>
+  </mc:AlternateContent>
   <p:timing>
     <p:tnLst>
       <p:par>
@@ -3848,548 +4161,288 @@
           <a:p>
             <a:r>
               <a:rPr lang="en-US" b="1" dirty="0">
-                <a:latin typeface="Times New Roman" panose="02020603050405020304" pitchFamily="18" charset="0"/>
+                <a:latin typeface="Arial" panose="020B0604020202020204" pitchFamily="34" charset="0"/>
                 <a:ea typeface="Calibri" panose="020F0502020204030204" pitchFamily="34" charset="0"/>
+                <a:cs typeface="Arial" panose="020B0604020202020204" pitchFamily="34" charset="0"/>
               </a:rPr>
               <a:t>UZDEVUMA NOSTĀDNE</a:t>
             </a:r>
-            <a:endParaRPr lang="ru-RU" dirty="0"/>
-          </a:p>
-        </p:txBody>
-      </p:sp>
-      <p:sp>
-        <p:nvSpPr>
-          <p:cNvPr id="3" name="Прямоугольник 2"/>
+            <a:endParaRPr lang="ru-RU" dirty="0">
+              <a:latin typeface="Arial" panose="020B0604020202020204" pitchFamily="34" charset="0"/>
+              <a:cs typeface="Arial" panose="020B0604020202020204" pitchFamily="34" charset="0"/>
+            </a:endParaRPr>
+          </a:p>
+        </p:txBody>
+      </p:sp>
+      <p:sp>
+        <p:nvSpPr>
+          <p:cNvPr id="5" name="Прямоугольник 4"/>
           <p:cNvSpPr/>
           <p:nvPr/>
         </p:nvSpPr>
         <p:spPr>
           <a:xfrm>
-            <a:off x="838200" y="1507284"/>
-            <a:ext cx="6988728" cy="4585614"/>
+            <a:off x="838200" y="1557767"/>
+            <a:ext cx="6096000" cy="1938992"/>
           </a:xfrm>
           <a:prstGeom prst="rect">
             <a:avLst/>
           </a:prstGeom>
         </p:spPr>
         <p:txBody>
+          <a:bodyPr>
+            <a:spAutoFit/>
+          </a:bodyPr>
+          <a:lstStyle/>
+          <a:p>
+            <a:pPr marL="457200" indent="-457200">
+              <a:buAutoNum type="arabicPeriod"/>
+            </a:pPr>
+            <a:r>
+              <a:rPr lang="ru-RU" sz="2400" b="1" dirty="0" smtClean="0">
+                <a:latin typeface="Arial" panose="020B0604020202020204" pitchFamily="34" charset="0"/>
+                <a:cs typeface="Arial" panose="020B0604020202020204" pitchFamily="34" charset="0"/>
+              </a:rPr>
+              <a:t>Sistēmas </a:t>
+            </a:r>
+            <a:r>
+              <a:rPr lang="ru-RU" sz="2400" b="1" dirty="0">
+                <a:latin typeface="Arial" panose="020B0604020202020204" pitchFamily="34" charset="0"/>
+                <a:cs typeface="Arial" panose="020B0604020202020204" pitchFamily="34" charset="0"/>
+              </a:rPr>
+              <a:t>galvenā </a:t>
+            </a:r>
+            <a:r>
+              <a:rPr lang="ru-RU" sz="2400" b="1" dirty="0" err="1">
+                <a:latin typeface="Arial" panose="020B0604020202020204" pitchFamily="34" charset="0"/>
+                <a:cs typeface="Arial" panose="020B0604020202020204" pitchFamily="34" charset="0"/>
+              </a:rPr>
+              <a:t>nozīme</a:t>
+            </a:r>
+            <a:r>
+              <a:rPr lang="ru-RU" sz="2400" b="1" dirty="0" smtClean="0">
+                <a:latin typeface="Arial" panose="020B0604020202020204" pitchFamily="34" charset="0"/>
+                <a:cs typeface="Arial" panose="020B0604020202020204" pitchFamily="34" charset="0"/>
+              </a:rPr>
+              <a:t>:</a:t>
+            </a:r>
+            <a:endParaRPr lang="en-US" sz="2400" b="1" dirty="0" smtClean="0">
+              <a:latin typeface="Arial" panose="020B0604020202020204" pitchFamily="34" charset="0"/>
+              <a:cs typeface="Arial" panose="020B0604020202020204" pitchFamily="34" charset="0"/>
+            </a:endParaRPr>
+          </a:p>
+          <a:p>
+            <a:endParaRPr lang="en-US" sz="2400" dirty="0">
+              <a:latin typeface="Arial" panose="020B0604020202020204" pitchFamily="34" charset="0"/>
+              <a:cs typeface="Arial" panose="020B0604020202020204" pitchFamily="34" charset="0"/>
+            </a:endParaRPr>
+          </a:p>
+          <a:p>
+            <a:r>
+              <a:rPr lang="ru-RU" sz="2400" dirty="0" smtClean="0">
+                <a:latin typeface="Arial" panose="020B0604020202020204" pitchFamily="34" charset="0"/>
+                <a:cs typeface="Arial" panose="020B0604020202020204" pitchFamily="34" charset="0"/>
+              </a:rPr>
+              <a:t>Grāmatvedības </a:t>
+            </a:r>
+            <a:r>
+              <a:rPr lang="ru-RU" sz="2400" dirty="0" err="1">
+                <a:latin typeface="Arial" panose="020B0604020202020204" pitchFamily="34" charset="0"/>
+                <a:cs typeface="Arial" panose="020B0604020202020204" pitchFamily="34" charset="0"/>
+              </a:rPr>
+              <a:t>automatizācija</a:t>
+            </a:r>
+            <a:r>
+              <a:rPr lang="ru-RU" sz="2400" dirty="0">
+                <a:latin typeface="Arial" panose="020B0604020202020204" pitchFamily="34" charset="0"/>
+                <a:cs typeface="Arial" panose="020B0604020202020204" pitchFamily="34" charset="0"/>
+              </a:rPr>
+              <a:t> un </a:t>
+            </a:r>
+            <a:r>
+              <a:rPr lang="ru-RU" sz="2400" dirty="0" err="1">
+                <a:latin typeface="Arial" panose="020B0604020202020204" pitchFamily="34" charset="0"/>
+                <a:cs typeface="Arial" panose="020B0604020202020204" pitchFamily="34" charset="0"/>
+              </a:rPr>
+              <a:t>rēķinu</a:t>
+            </a:r>
+            <a:r>
+              <a:rPr lang="ru-RU" sz="2400" dirty="0">
+                <a:latin typeface="Arial" panose="020B0604020202020204" pitchFamily="34" charset="0"/>
+                <a:cs typeface="Arial" panose="020B0604020202020204" pitchFamily="34" charset="0"/>
+              </a:rPr>
+              <a:t> </a:t>
+            </a:r>
+            <a:r>
+              <a:rPr lang="ru-RU" sz="2400" dirty="0" err="1">
+                <a:latin typeface="Arial" panose="020B0604020202020204" pitchFamily="34" charset="0"/>
+                <a:cs typeface="Arial" panose="020B0604020202020204" pitchFamily="34" charset="0"/>
+              </a:rPr>
+              <a:t>automatizācija</a:t>
+            </a:r>
+            <a:r>
+              <a:rPr lang="ru-RU" sz="2400" dirty="0">
+                <a:latin typeface="Arial" panose="020B0604020202020204" pitchFamily="34" charset="0"/>
+                <a:cs typeface="Arial" panose="020B0604020202020204" pitchFamily="34" charset="0"/>
+              </a:rPr>
+              <a:t>, </a:t>
+            </a:r>
+            <a:r>
+              <a:rPr lang="ru-RU" sz="2400" dirty="0" err="1">
+                <a:latin typeface="Arial" panose="020B0604020202020204" pitchFamily="34" charset="0"/>
+                <a:cs typeface="Arial" panose="020B0604020202020204" pitchFamily="34" charset="0"/>
+              </a:rPr>
+              <a:t>atvieglojot</a:t>
+            </a:r>
+            <a:r>
+              <a:rPr lang="ru-RU" sz="2400" dirty="0">
+                <a:latin typeface="Arial" panose="020B0604020202020204" pitchFamily="34" charset="0"/>
+                <a:cs typeface="Arial" panose="020B0604020202020204" pitchFamily="34" charset="0"/>
+              </a:rPr>
+              <a:t> </a:t>
+            </a:r>
+            <a:r>
+              <a:rPr lang="ru-RU" sz="2400" dirty="0" err="1" smtClean="0">
+                <a:latin typeface="Arial" panose="020B0604020202020204" pitchFamily="34" charset="0"/>
+                <a:cs typeface="Arial" panose="020B0604020202020204" pitchFamily="34" charset="0"/>
+              </a:rPr>
+              <a:t>maksājumu</a:t>
+            </a:r>
+            <a:r>
+              <a:rPr lang="lv-LV" sz="2400" dirty="0" smtClean="0">
+                <a:latin typeface="Arial" panose="020B0604020202020204" pitchFamily="34" charset="0"/>
+                <a:cs typeface="Arial" panose="020B0604020202020204" pitchFamily="34" charset="0"/>
+              </a:rPr>
+              <a:t> un</a:t>
+            </a:r>
+            <a:r>
+              <a:rPr lang="lv-LV" sz="2400" dirty="0">
+                <a:latin typeface="Arial" panose="020B0604020202020204" pitchFamily="34" charset="0"/>
+                <a:cs typeface="Arial" panose="020B0604020202020204" pitchFamily="34" charset="0"/>
+              </a:rPr>
+              <a:t> </a:t>
+            </a:r>
+            <a:endParaRPr lang="lv-LV" sz="2400" dirty="0" smtClean="0">
+              <a:latin typeface="Arial" panose="020B0604020202020204" pitchFamily="34" charset="0"/>
+              <a:cs typeface="Arial" panose="020B0604020202020204" pitchFamily="34" charset="0"/>
+            </a:endParaRPr>
+          </a:p>
+          <a:p>
+            <a:r>
+              <a:rPr lang="ru-RU" sz="2400" dirty="0" err="1" smtClean="0">
+                <a:latin typeface="Arial" panose="020B0604020202020204" pitchFamily="34" charset="0"/>
+                <a:cs typeface="Arial" panose="020B0604020202020204" pitchFamily="34" charset="0"/>
+              </a:rPr>
+              <a:t>uzskaiti</a:t>
+            </a:r>
+            <a:r>
+              <a:rPr lang="ru-RU" sz="2400" dirty="0" smtClean="0">
+                <a:latin typeface="Arial" panose="020B0604020202020204" pitchFamily="34" charset="0"/>
+                <a:cs typeface="Arial" panose="020B0604020202020204" pitchFamily="34" charset="0"/>
+              </a:rPr>
+              <a:t> </a:t>
+            </a:r>
+            <a:r>
+              <a:rPr lang="ru-RU" sz="2400" dirty="0" err="1">
+                <a:latin typeface="Arial" panose="020B0604020202020204" pitchFamily="34" charset="0"/>
+                <a:cs typeface="Arial" panose="020B0604020202020204" pitchFamily="34" charset="0"/>
+              </a:rPr>
+              <a:t>uzņēmumiem</a:t>
+            </a:r>
+            <a:r>
+              <a:rPr lang="ru-RU" sz="2400" dirty="0">
+                <a:latin typeface="Arial" panose="020B0604020202020204" pitchFamily="34" charset="0"/>
+                <a:cs typeface="Arial" panose="020B0604020202020204" pitchFamily="34" charset="0"/>
+              </a:rPr>
+              <a:t>.</a:t>
+            </a:r>
+          </a:p>
+        </p:txBody>
+      </p:sp>
+      <p:sp>
+        <p:nvSpPr>
+          <p:cNvPr id="7" name="Прямоугольник 6"/>
+          <p:cNvSpPr/>
+          <p:nvPr/>
+        </p:nvSpPr>
+        <p:spPr>
+          <a:xfrm>
+            <a:off x="838200" y="3930717"/>
+            <a:ext cx="6096000" cy="2677656"/>
+          </a:xfrm>
+          <a:prstGeom prst="rect">
+            <a:avLst/>
+          </a:prstGeom>
+        </p:spPr>
+        <p:txBody>
           <a:bodyPr wrap="square">
             <a:spAutoFit/>
           </a:bodyPr>
           <a:lstStyle/>
           <a:p>
-            <a:pPr>
-              <a:lnSpc>
-                <a:spcPct val="106000"/>
-              </a:lnSpc>
-              <a:spcAft>
-                <a:spcPts val="800"/>
-              </a:spcAft>
-            </a:pPr>
-            <a:r>
-              <a:rPr lang="en-US" b="1" dirty="0">
-                <a:latin typeface="Times New Roman" panose="02020603050405020304" pitchFamily="18" charset="0"/>
-                <a:ea typeface="Calibri" panose="020F0502020204030204" pitchFamily="34" charset="0"/>
-                <a:cs typeface="Times New Roman" panose="02020603050405020304" pitchFamily="18" charset="0"/>
-              </a:rPr>
-              <a:t>Kvalifikācijas darba tēma: </a:t>
-            </a:r>
-            <a:r>
-              <a:rPr lang="en-US" dirty="0">
-                <a:latin typeface="Times New Roman" panose="02020603050405020304" pitchFamily="18" charset="0"/>
-                <a:ea typeface="Calibri" panose="020F0502020204030204" pitchFamily="34" charset="0"/>
-                <a:cs typeface="Times New Roman" panose="02020603050405020304" pitchFamily="18" charset="0"/>
-              </a:rPr>
-              <a:t>Finanšu sistēmas tīmekļa vietne.</a:t>
-            </a:r>
-            <a:endParaRPr lang="ru-RU" sz="1400" dirty="0">
-              <a:latin typeface="Calibri" panose="020F0502020204030204" pitchFamily="34" charset="0"/>
-              <a:ea typeface="Calibri" panose="020F0502020204030204" pitchFamily="34" charset="0"/>
-              <a:cs typeface="Times New Roman" panose="02020603050405020304" pitchFamily="18" charset="0"/>
+            <a:pPr algn="just"/>
+            <a:r>
+              <a:rPr lang="en-US" sz="2400" b="1" dirty="0" smtClean="0">
+                <a:latin typeface="Arial" panose="020B0604020202020204" pitchFamily="34" charset="0"/>
+                <a:cs typeface="Arial" panose="020B0604020202020204" pitchFamily="34" charset="0"/>
+              </a:rPr>
+              <a:t>2</a:t>
+            </a:r>
+            <a:r>
+              <a:rPr lang="lv-LV" sz="2400" b="1" dirty="0" smtClean="0">
+                <a:latin typeface="Arial" panose="020B0604020202020204" pitchFamily="34" charset="0"/>
+                <a:cs typeface="Arial" panose="020B0604020202020204" pitchFamily="34" charset="0"/>
+              </a:rPr>
+              <a:t>. </a:t>
+            </a:r>
+            <a:r>
+              <a:rPr lang="lv-LV" sz="2400" b="1" dirty="0">
+                <a:latin typeface="Arial" panose="020B0604020202020204" pitchFamily="34" charset="0"/>
+                <a:cs typeface="Arial" panose="020B0604020202020204" pitchFamily="34" charset="0"/>
+              </a:rPr>
+              <a:t>Kāda ir manas sistēmas priekšrocība pār </a:t>
+            </a:r>
+            <a:r>
+              <a:rPr lang="lv-LV" sz="2400" b="1" dirty="0" smtClean="0">
+                <a:latin typeface="Arial" panose="020B0604020202020204" pitchFamily="34" charset="0"/>
+                <a:cs typeface="Arial" panose="020B0604020202020204" pitchFamily="34" charset="0"/>
+              </a:rPr>
+              <a:t>citām</a:t>
+            </a:r>
+            <a:r>
+              <a:rPr lang="en-US" sz="2400" b="1" dirty="0" smtClean="0">
+                <a:latin typeface="Arial" panose="020B0604020202020204" pitchFamily="34" charset="0"/>
+                <a:cs typeface="Arial" panose="020B0604020202020204" pitchFamily="34" charset="0"/>
+              </a:rPr>
+              <a:t>:</a:t>
+            </a:r>
+          </a:p>
+          <a:p>
+            <a:pPr algn="just"/>
+            <a:endParaRPr lang="en-US" sz="2400" dirty="0">
+              <a:latin typeface="Arial" panose="020B0604020202020204" pitchFamily="34" charset="0"/>
+              <a:cs typeface="Arial" panose="020B0604020202020204" pitchFamily="34" charset="0"/>
             </a:endParaRPr>
           </a:p>
           <a:p>
-            <a:pPr>
-              <a:lnSpc>
-                <a:spcPct val="106000"/>
-              </a:lnSpc>
-              <a:spcAft>
-                <a:spcPts val="800"/>
-              </a:spcAft>
-            </a:pPr>
-            <a:r>
-              <a:rPr lang="en-US" b="1" dirty="0">
-                <a:latin typeface="Times New Roman" panose="02020603050405020304" pitchFamily="18" charset="0"/>
-                <a:ea typeface="Calibri" panose="020F0502020204030204" pitchFamily="34" charset="0"/>
-                <a:cs typeface="Times New Roman" panose="02020603050405020304" pitchFamily="18" charset="0"/>
-              </a:rPr>
-              <a:t> </a:t>
-            </a:r>
-            <a:endParaRPr lang="ru-RU" sz="1400" dirty="0">
-              <a:latin typeface="Calibri" panose="020F0502020204030204" pitchFamily="34" charset="0"/>
-              <a:ea typeface="Calibri" panose="020F0502020204030204" pitchFamily="34" charset="0"/>
-              <a:cs typeface="Times New Roman" panose="02020603050405020304" pitchFamily="18" charset="0"/>
-            </a:endParaRPr>
-          </a:p>
-          <a:p>
-            <a:pPr>
-              <a:lnSpc>
-                <a:spcPct val="106000"/>
-              </a:lnSpc>
-              <a:spcAft>
-                <a:spcPts val="800"/>
-              </a:spcAft>
-            </a:pPr>
-            <a:r>
-              <a:rPr lang="en-US" b="1" dirty="0" err="1">
-                <a:latin typeface="Times New Roman" panose="02020603050405020304" pitchFamily="18" charset="0"/>
-                <a:ea typeface="Calibri" panose="020F0502020204030204" pitchFamily="34" charset="0"/>
-                <a:cs typeface="Times New Roman" panose="02020603050405020304" pitchFamily="18" charset="0"/>
-              </a:rPr>
-              <a:t>Tēmas</a:t>
-            </a:r>
-            <a:r>
-              <a:rPr lang="en-US" b="1" dirty="0">
-                <a:latin typeface="Times New Roman" panose="02020603050405020304" pitchFamily="18" charset="0"/>
-                <a:ea typeface="Calibri" panose="020F0502020204030204" pitchFamily="34" charset="0"/>
-                <a:cs typeface="Times New Roman" panose="02020603050405020304" pitchFamily="18" charset="0"/>
-              </a:rPr>
-              <a:t> </a:t>
-            </a:r>
-            <a:r>
-              <a:rPr lang="en-US" b="1" dirty="0" err="1">
-                <a:latin typeface="Times New Roman" panose="02020603050405020304" pitchFamily="18" charset="0"/>
-                <a:ea typeface="Calibri" panose="020F0502020204030204" pitchFamily="34" charset="0"/>
-                <a:cs typeface="Times New Roman" panose="02020603050405020304" pitchFamily="18" charset="0"/>
-              </a:rPr>
-              <a:t>plašais</a:t>
-            </a:r>
-            <a:r>
-              <a:rPr lang="en-US" b="1" dirty="0">
-                <a:latin typeface="Times New Roman" panose="02020603050405020304" pitchFamily="18" charset="0"/>
-                <a:ea typeface="Calibri" panose="020F0502020204030204" pitchFamily="34" charset="0"/>
-                <a:cs typeface="Times New Roman" panose="02020603050405020304" pitchFamily="18" charset="0"/>
-              </a:rPr>
-              <a:t> </a:t>
-            </a:r>
-            <a:r>
-              <a:rPr lang="en-US" b="1" dirty="0" err="1">
-                <a:latin typeface="Times New Roman" panose="02020603050405020304" pitchFamily="18" charset="0"/>
-                <a:ea typeface="Calibri" panose="020F0502020204030204" pitchFamily="34" charset="0"/>
-                <a:cs typeface="Times New Roman" panose="02020603050405020304" pitchFamily="18" charset="0"/>
-              </a:rPr>
-              <a:t>skaidrojums</a:t>
-            </a:r>
-            <a:r>
-              <a:rPr lang="en-US" b="1" dirty="0">
-                <a:latin typeface="Times New Roman" panose="02020603050405020304" pitchFamily="18" charset="0"/>
-                <a:ea typeface="Calibri" panose="020F0502020204030204" pitchFamily="34" charset="0"/>
-                <a:cs typeface="Times New Roman" panose="02020603050405020304" pitchFamily="18" charset="0"/>
-              </a:rPr>
-              <a:t>:</a:t>
-            </a:r>
-            <a:endParaRPr lang="ru-RU" sz="1400" dirty="0">
-              <a:latin typeface="Calibri" panose="020F0502020204030204" pitchFamily="34" charset="0"/>
-              <a:ea typeface="Calibri" panose="020F0502020204030204" pitchFamily="34" charset="0"/>
-              <a:cs typeface="Times New Roman" panose="02020603050405020304" pitchFamily="18" charset="0"/>
-            </a:endParaRPr>
-          </a:p>
-          <a:p>
-            <a:pPr>
-              <a:lnSpc>
-                <a:spcPct val="106000"/>
-              </a:lnSpc>
-              <a:spcAft>
-                <a:spcPts val="800"/>
-              </a:spcAft>
-            </a:pPr>
-            <a:r>
-              <a:rPr lang="en-US" b="1" dirty="0">
-                <a:latin typeface="Times New Roman" panose="02020603050405020304" pitchFamily="18" charset="0"/>
-                <a:ea typeface="Calibri" panose="020F0502020204030204" pitchFamily="34" charset="0"/>
-                <a:cs typeface="Times New Roman" panose="02020603050405020304" pitchFamily="18" charset="0"/>
-              </a:rPr>
-              <a:t> </a:t>
-            </a:r>
-            <a:endParaRPr lang="ru-RU" sz="1400" dirty="0">
-              <a:latin typeface="Calibri" panose="020F0502020204030204" pitchFamily="34" charset="0"/>
-              <a:ea typeface="Calibri" panose="020F0502020204030204" pitchFamily="34" charset="0"/>
-              <a:cs typeface="Times New Roman" panose="02020603050405020304" pitchFamily="18" charset="0"/>
-            </a:endParaRPr>
-          </a:p>
-          <a:p>
-            <a:pPr>
-              <a:lnSpc>
-                <a:spcPct val="150000"/>
-              </a:lnSpc>
-              <a:spcAft>
-                <a:spcPts val="800"/>
-              </a:spcAft>
-            </a:pPr>
-            <a:r>
-              <a:rPr lang="en-US" dirty="0">
-                <a:latin typeface="Times New Roman" panose="02020603050405020304" pitchFamily="18" charset="0"/>
-                <a:ea typeface="Calibri" panose="020F0502020204030204" pitchFamily="34" charset="0"/>
-                <a:cs typeface="Times New Roman" panose="02020603050405020304" pitchFamily="18" charset="0"/>
-              </a:rPr>
-              <a:t>Tīmekļa vietne ir aktuāla un </a:t>
-            </a:r>
-            <a:r>
-              <a:rPr lang="en-US" dirty="0" err="1">
-                <a:latin typeface="Times New Roman" panose="02020603050405020304" pitchFamily="18" charset="0"/>
-                <a:ea typeface="Calibri" panose="020F0502020204030204" pitchFamily="34" charset="0"/>
-                <a:cs typeface="Times New Roman" panose="02020603050405020304" pitchFamily="18" charset="0"/>
-              </a:rPr>
-              <a:t>nepieciešama</a:t>
-            </a:r>
-            <a:r>
-              <a:rPr lang="en-US" dirty="0">
-                <a:latin typeface="Times New Roman" panose="02020603050405020304" pitchFamily="18" charset="0"/>
-                <a:ea typeface="Calibri" panose="020F0502020204030204" pitchFamily="34" charset="0"/>
-                <a:cs typeface="Times New Roman" panose="02020603050405020304" pitchFamily="18" charset="0"/>
-              </a:rPr>
-              <a:t> </a:t>
-            </a:r>
-            <a:r>
-              <a:rPr lang="en-US" dirty="0" err="1">
-                <a:latin typeface="Times New Roman" panose="02020603050405020304" pitchFamily="18" charset="0"/>
-                <a:ea typeface="Calibri" panose="020F0502020204030204" pitchFamily="34" charset="0"/>
-                <a:cs typeface="Times New Roman" panose="02020603050405020304" pitchFamily="18" charset="0"/>
-              </a:rPr>
-              <a:t>sistēma</a:t>
-            </a:r>
-            <a:r>
-              <a:rPr lang="en-US" dirty="0">
-                <a:latin typeface="Times New Roman" panose="02020603050405020304" pitchFamily="18" charset="0"/>
-                <a:ea typeface="Calibri" panose="020F0502020204030204" pitchFamily="34" charset="0"/>
-                <a:cs typeface="Times New Roman" panose="02020603050405020304" pitchFamily="18" charset="0"/>
-              </a:rPr>
-              <a:t>, jo tā </a:t>
-            </a:r>
-            <a:r>
-              <a:rPr lang="en-US" dirty="0" err="1">
-                <a:latin typeface="Times New Roman" panose="02020603050405020304" pitchFamily="18" charset="0"/>
-                <a:ea typeface="Calibri" panose="020F0502020204030204" pitchFamily="34" charset="0"/>
-                <a:cs typeface="Times New Roman" panose="02020603050405020304" pitchFamily="18" charset="0"/>
-              </a:rPr>
-              <a:t>piedāvā</a:t>
-            </a:r>
-            <a:r>
-              <a:rPr lang="en-US" dirty="0">
-                <a:latin typeface="Times New Roman" panose="02020603050405020304" pitchFamily="18" charset="0"/>
-                <a:ea typeface="Calibri" panose="020F0502020204030204" pitchFamily="34" charset="0"/>
-                <a:cs typeface="Times New Roman" panose="02020603050405020304" pitchFamily="18" charset="0"/>
-              </a:rPr>
-              <a:t> vairākas priekšrocības salīdzinājumā ar </a:t>
-            </a:r>
-            <a:r>
-              <a:rPr lang="en-US" dirty="0" err="1">
-                <a:latin typeface="Times New Roman" panose="02020603050405020304" pitchFamily="18" charset="0"/>
-                <a:ea typeface="Calibri" panose="020F0502020204030204" pitchFamily="34" charset="0"/>
-                <a:cs typeface="Times New Roman" panose="02020603050405020304" pitchFamily="18" charset="0"/>
-              </a:rPr>
-              <a:t>esošajiem</a:t>
-            </a:r>
-            <a:r>
-              <a:rPr lang="en-US" dirty="0">
-                <a:latin typeface="Times New Roman" panose="02020603050405020304" pitchFamily="18" charset="0"/>
-                <a:ea typeface="Calibri" panose="020F0502020204030204" pitchFamily="34" charset="0"/>
-                <a:cs typeface="Times New Roman" panose="02020603050405020304" pitchFamily="18" charset="0"/>
-              </a:rPr>
-              <a:t> </a:t>
-            </a:r>
-            <a:r>
-              <a:rPr lang="en-US" dirty="0" err="1">
-                <a:latin typeface="Times New Roman" panose="02020603050405020304" pitchFamily="18" charset="0"/>
-                <a:ea typeface="Calibri" panose="020F0502020204030204" pitchFamily="34" charset="0"/>
-                <a:cs typeface="Times New Roman" panose="02020603050405020304" pitchFamily="18" charset="0"/>
-              </a:rPr>
-              <a:t>analogiem</a:t>
-            </a:r>
-            <a:r>
-              <a:rPr lang="en-US" dirty="0">
-                <a:latin typeface="Times New Roman" panose="02020603050405020304" pitchFamily="18" charset="0"/>
-                <a:ea typeface="Calibri" panose="020F0502020204030204" pitchFamily="34" charset="0"/>
-                <a:cs typeface="Times New Roman" panose="02020603050405020304" pitchFamily="18" charset="0"/>
-              </a:rPr>
-              <a:t> un var </a:t>
-            </a:r>
-            <a:r>
-              <a:rPr lang="en-US" dirty="0" err="1">
-                <a:latin typeface="Times New Roman" panose="02020603050405020304" pitchFamily="18" charset="0"/>
-                <a:ea typeface="Calibri" panose="020F0502020204030204" pitchFamily="34" charset="0"/>
-                <a:cs typeface="Times New Roman" panose="02020603050405020304" pitchFamily="18" charset="0"/>
-              </a:rPr>
-              <a:t>sniegt</a:t>
-            </a:r>
-            <a:r>
-              <a:rPr lang="en-US" dirty="0">
-                <a:latin typeface="Times New Roman" panose="02020603050405020304" pitchFamily="18" charset="0"/>
-                <a:ea typeface="Calibri" panose="020F0502020204030204" pitchFamily="34" charset="0"/>
-                <a:cs typeface="Times New Roman" panose="02020603050405020304" pitchFamily="18" charset="0"/>
-              </a:rPr>
-              <a:t> lietotājiem </a:t>
-            </a:r>
-            <a:r>
-              <a:rPr lang="en-US" dirty="0" err="1">
-                <a:latin typeface="Times New Roman" panose="02020603050405020304" pitchFamily="18" charset="0"/>
-                <a:ea typeface="Calibri" panose="020F0502020204030204" pitchFamily="34" charset="0"/>
-                <a:cs typeface="Times New Roman" panose="02020603050405020304" pitchFamily="18" charset="0"/>
-              </a:rPr>
-              <a:t>ievērojamus</a:t>
-            </a:r>
-            <a:r>
-              <a:rPr lang="en-US" dirty="0">
-                <a:latin typeface="Times New Roman" panose="02020603050405020304" pitchFamily="18" charset="0"/>
-                <a:ea typeface="Calibri" panose="020F0502020204030204" pitchFamily="34" charset="0"/>
-                <a:cs typeface="Times New Roman" panose="02020603050405020304" pitchFamily="18" charset="0"/>
-              </a:rPr>
-              <a:t> </a:t>
-            </a:r>
-            <a:r>
-              <a:rPr lang="en-US" dirty="0" err="1">
-                <a:latin typeface="Times New Roman" panose="02020603050405020304" pitchFamily="18" charset="0"/>
-                <a:ea typeface="Calibri" panose="020F0502020204030204" pitchFamily="34" charset="0"/>
-                <a:cs typeface="Times New Roman" panose="02020603050405020304" pitchFamily="18" charset="0"/>
-              </a:rPr>
-              <a:t>ieguvumus</a:t>
-            </a:r>
-            <a:r>
-              <a:rPr lang="en-US" dirty="0">
-                <a:latin typeface="Times New Roman" panose="02020603050405020304" pitchFamily="18" charset="0"/>
-                <a:ea typeface="Calibri" panose="020F0502020204030204" pitchFamily="34" charset="0"/>
-                <a:cs typeface="Times New Roman" panose="02020603050405020304" pitchFamily="18" charset="0"/>
-              </a:rPr>
-              <a:t>, </a:t>
-            </a:r>
-            <a:r>
-              <a:rPr lang="en-US" dirty="0" err="1">
-                <a:latin typeface="Times New Roman" panose="02020603050405020304" pitchFamily="18" charset="0"/>
-                <a:ea typeface="Calibri" panose="020F0502020204030204" pitchFamily="34" charset="0"/>
-                <a:cs typeface="Times New Roman" panose="02020603050405020304" pitchFamily="18" charset="0"/>
-              </a:rPr>
-              <a:t>vienkāršību</a:t>
-            </a:r>
-            <a:r>
-              <a:rPr lang="en-US" dirty="0">
-                <a:latin typeface="Times New Roman" panose="02020603050405020304" pitchFamily="18" charset="0"/>
-                <a:ea typeface="Calibri" panose="020F0502020204030204" pitchFamily="34" charset="0"/>
-                <a:cs typeface="Times New Roman" panose="02020603050405020304" pitchFamily="18" charset="0"/>
-              </a:rPr>
-              <a:t>. Finanšu sistēmas tīmekļa vietne ir aktuāla un </a:t>
-            </a:r>
-            <a:r>
-              <a:rPr lang="en-US" dirty="0" err="1">
-                <a:latin typeface="Times New Roman" panose="02020603050405020304" pitchFamily="18" charset="0"/>
-                <a:ea typeface="Calibri" panose="020F0502020204030204" pitchFamily="34" charset="0"/>
-                <a:cs typeface="Times New Roman" panose="02020603050405020304" pitchFamily="18" charset="0"/>
-              </a:rPr>
-              <a:t>nepieciešama</a:t>
-            </a:r>
-            <a:r>
-              <a:rPr lang="en-US" dirty="0">
-                <a:latin typeface="Times New Roman" panose="02020603050405020304" pitchFamily="18" charset="0"/>
-                <a:ea typeface="Calibri" panose="020F0502020204030204" pitchFamily="34" charset="0"/>
-                <a:cs typeface="Times New Roman" panose="02020603050405020304" pitchFamily="18" charset="0"/>
-              </a:rPr>
-              <a:t> </a:t>
-            </a:r>
-            <a:r>
-              <a:rPr lang="en-US" dirty="0" err="1">
-                <a:latin typeface="Times New Roman" panose="02020603050405020304" pitchFamily="18" charset="0"/>
-                <a:ea typeface="Calibri" panose="020F0502020204030204" pitchFamily="34" charset="0"/>
-                <a:cs typeface="Times New Roman" panose="02020603050405020304" pitchFamily="18" charset="0"/>
-              </a:rPr>
-              <a:t>sistēma</a:t>
-            </a:r>
-            <a:r>
-              <a:rPr lang="en-US" dirty="0">
-                <a:latin typeface="Times New Roman" panose="02020603050405020304" pitchFamily="18" charset="0"/>
-                <a:ea typeface="Calibri" panose="020F0502020204030204" pitchFamily="34" charset="0"/>
-                <a:cs typeface="Times New Roman" panose="02020603050405020304" pitchFamily="18" charset="0"/>
-              </a:rPr>
-              <a:t>, jo tā </a:t>
-            </a:r>
-            <a:r>
-              <a:rPr lang="en-US" dirty="0" err="1">
-                <a:latin typeface="Times New Roman" panose="02020603050405020304" pitchFamily="18" charset="0"/>
-                <a:ea typeface="Calibri" panose="020F0502020204030204" pitchFamily="34" charset="0"/>
-                <a:cs typeface="Times New Roman" panose="02020603050405020304" pitchFamily="18" charset="0"/>
-              </a:rPr>
-              <a:t>piedāvā</a:t>
-            </a:r>
-            <a:r>
-              <a:rPr lang="en-US" dirty="0">
-                <a:latin typeface="Times New Roman" panose="02020603050405020304" pitchFamily="18" charset="0"/>
-                <a:ea typeface="Calibri" panose="020F0502020204030204" pitchFamily="34" charset="0"/>
-                <a:cs typeface="Times New Roman" panose="02020603050405020304" pitchFamily="18" charset="0"/>
-              </a:rPr>
-              <a:t> vairākas priekšrocības salīdzinājumā ar </a:t>
-            </a:r>
-            <a:r>
-              <a:rPr lang="en-US" dirty="0" err="1">
-                <a:latin typeface="Times New Roman" panose="02020603050405020304" pitchFamily="18" charset="0"/>
-                <a:ea typeface="Calibri" panose="020F0502020204030204" pitchFamily="34" charset="0"/>
-                <a:cs typeface="Times New Roman" panose="02020603050405020304" pitchFamily="18" charset="0"/>
-              </a:rPr>
-              <a:t>esošajiem</a:t>
-            </a:r>
-            <a:r>
-              <a:rPr lang="en-US" dirty="0">
-                <a:latin typeface="Times New Roman" panose="02020603050405020304" pitchFamily="18" charset="0"/>
-                <a:ea typeface="Calibri" panose="020F0502020204030204" pitchFamily="34" charset="0"/>
-                <a:cs typeface="Times New Roman" panose="02020603050405020304" pitchFamily="18" charset="0"/>
-              </a:rPr>
-              <a:t> </a:t>
-            </a:r>
-            <a:r>
-              <a:rPr lang="en-US" dirty="0" err="1">
-                <a:latin typeface="Times New Roman" panose="02020603050405020304" pitchFamily="18" charset="0"/>
-                <a:ea typeface="Calibri" panose="020F0502020204030204" pitchFamily="34" charset="0"/>
-                <a:cs typeface="Times New Roman" panose="02020603050405020304" pitchFamily="18" charset="0"/>
-              </a:rPr>
-              <a:t>risinājumiem</a:t>
-            </a:r>
-            <a:r>
-              <a:rPr lang="en-US" dirty="0">
-                <a:latin typeface="Times New Roman" panose="02020603050405020304" pitchFamily="18" charset="0"/>
-                <a:ea typeface="Calibri" panose="020F0502020204030204" pitchFamily="34" charset="0"/>
-                <a:cs typeface="Times New Roman" panose="02020603050405020304" pitchFamily="18" charset="0"/>
-              </a:rPr>
-              <a:t> un var </a:t>
-            </a:r>
-            <a:r>
-              <a:rPr lang="en-US" dirty="0" err="1">
-                <a:latin typeface="Times New Roman" panose="02020603050405020304" pitchFamily="18" charset="0"/>
-                <a:ea typeface="Calibri" panose="020F0502020204030204" pitchFamily="34" charset="0"/>
-                <a:cs typeface="Times New Roman" panose="02020603050405020304" pitchFamily="18" charset="0"/>
-              </a:rPr>
-              <a:t>sniegt</a:t>
-            </a:r>
-            <a:r>
-              <a:rPr lang="en-US" dirty="0">
-                <a:latin typeface="Times New Roman" panose="02020603050405020304" pitchFamily="18" charset="0"/>
-                <a:ea typeface="Calibri" panose="020F0502020204030204" pitchFamily="34" charset="0"/>
-                <a:cs typeface="Times New Roman" panose="02020603050405020304" pitchFamily="18" charset="0"/>
-              </a:rPr>
-              <a:t> lietotājiem </a:t>
-            </a:r>
-            <a:r>
-              <a:rPr lang="en-US" dirty="0" err="1">
-                <a:latin typeface="Times New Roman" panose="02020603050405020304" pitchFamily="18" charset="0"/>
-                <a:ea typeface="Calibri" panose="020F0502020204030204" pitchFamily="34" charset="0"/>
-                <a:cs typeface="Times New Roman" panose="02020603050405020304" pitchFamily="18" charset="0"/>
-              </a:rPr>
-              <a:t>ievērojamus</a:t>
-            </a:r>
-            <a:r>
-              <a:rPr lang="en-US" dirty="0">
-                <a:latin typeface="Times New Roman" panose="02020603050405020304" pitchFamily="18" charset="0"/>
-                <a:ea typeface="Calibri" panose="020F0502020204030204" pitchFamily="34" charset="0"/>
-                <a:cs typeface="Times New Roman" panose="02020603050405020304" pitchFamily="18" charset="0"/>
-              </a:rPr>
-              <a:t> </a:t>
-            </a:r>
-            <a:r>
-              <a:rPr lang="en-US" dirty="0" err="1">
-                <a:latin typeface="Times New Roman" panose="02020603050405020304" pitchFamily="18" charset="0"/>
-                <a:ea typeface="Calibri" panose="020F0502020204030204" pitchFamily="34" charset="0"/>
-                <a:cs typeface="Times New Roman" panose="02020603050405020304" pitchFamily="18" charset="0"/>
-              </a:rPr>
-              <a:t>ieguvumus</a:t>
-            </a:r>
-            <a:r>
-              <a:rPr lang="en-US" dirty="0">
-                <a:latin typeface="Times New Roman" panose="02020603050405020304" pitchFamily="18" charset="0"/>
-                <a:ea typeface="Calibri" panose="020F0502020204030204" pitchFamily="34" charset="0"/>
-                <a:cs typeface="Times New Roman" panose="02020603050405020304" pitchFamily="18" charset="0"/>
-              </a:rPr>
-              <a:t>, </a:t>
-            </a:r>
-            <a:r>
-              <a:rPr lang="en-US" dirty="0" err="1">
-                <a:latin typeface="Times New Roman" panose="02020603050405020304" pitchFamily="18" charset="0"/>
-                <a:ea typeface="Calibri" panose="020F0502020204030204" pitchFamily="34" charset="0"/>
-                <a:cs typeface="Times New Roman" panose="02020603050405020304" pitchFamily="18" charset="0"/>
-              </a:rPr>
-              <a:t>vienkāršību</a:t>
-            </a:r>
-            <a:r>
-              <a:rPr lang="en-US" dirty="0">
-                <a:latin typeface="Times New Roman" panose="02020603050405020304" pitchFamily="18" charset="0"/>
-                <a:ea typeface="Calibri" panose="020F0502020204030204" pitchFamily="34" charset="0"/>
-                <a:cs typeface="Times New Roman" panose="02020603050405020304" pitchFamily="18" charset="0"/>
-              </a:rPr>
-              <a:t> un </a:t>
-            </a:r>
-            <a:r>
-              <a:rPr lang="en-US" dirty="0" err="1">
-                <a:latin typeface="Times New Roman" panose="02020603050405020304" pitchFamily="18" charset="0"/>
-                <a:ea typeface="Calibri" panose="020F0502020204030204" pitchFamily="34" charset="0"/>
-                <a:cs typeface="Times New Roman" panose="02020603050405020304" pitchFamily="18" charset="0"/>
-              </a:rPr>
-              <a:t>efektivitāti</a:t>
-            </a:r>
-            <a:r>
-              <a:rPr lang="en-US" dirty="0">
-                <a:latin typeface="Times New Roman" panose="02020603050405020304" pitchFamily="18" charset="0"/>
-                <a:ea typeface="Calibri" panose="020F0502020204030204" pitchFamily="34" charset="0"/>
-                <a:cs typeface="Times New Roman" panose="02020603050405020304" pitchFamily="18" charset="0"/>
-              </a:rPr>
-              <a:t>. Salīdzinot, mana </a:t>
-            </a:r>
-            <a:r>
-              <a:rPr lang="en-US" dirty="0" err="1">
-                <a:latin typeface="Times New Roman" panose="02020603050405020304" pitchFamily="18" charset="0"/>
-                <a:ea typeface="Calibri" panose="020F0502020204030204" pitchFamily="34" charset="0"/>
-                <a:cs typeface="Times New Roman" panose="02020603050405020304" pitchFamily="18" charset="0"/>
-              </a:rPr>
-              <a:t>sistēma</a:t>
-            </a:r>
-            <a:r>
-              <a:rPr lang="en-US" dirty="0">
-                <a:latin typeface="Times New Roman" panose="02020603050405020304" pitchFamily="18" charset="0"/>
-                <a:ea typeface="Calibri" panose="020F0502020204030204" pitchFamily="34" charset="0"/>
-                <a:cs typeface="Times New Roman" panose="02020603050405020304" pitchFamily="18" charset="0"/>
-              </a:rPr>
-              <a:t> ir “</a:t>
-            </a:r>
-            <a:r>
-              <a:rPr lang="en-US" dirty="0" err="1">
-                <a:latin typeface="Times New Roman" panose="02020603050405020304" pitchFamily="18" charset="0"/>
-                <a:ea typeface="Calibri" panose="020F0502020204030204" pitchFamily="34" charset="0"/>
-                <a:cs typeface="Times New Roman" panose="02020603050405020304" pitchFamily="18" charset="0"/>
-              </a:rPr>
-              <a:t>mansjumis</a:t>
-            </a:r>
-            <a:r>
-              <a:rPr lang="en-US" dirty="0">
-                <a:latin typeface="Times New Roman" panose="02020603050405020304" pitchFamily="18" charset="0"/>
-                <a:ea typeface="Calibri" panose="020F0502020204030204" pitchFamily="34" charset="0"/>
-                <a:cs typeface="Times New Roman" panose="02020603050405020304" pitchFamily="18" charset="0"/>
-              </a:rPr>
-              <a:t>” </a:t>
-            </a:r>
-            <a:r>
-              <a:rPr lang="en-US" dirty="0" err="1">
-                <a:latin typeface="Times New Roman" panose="02020603050405020304" pitchFamily="18" charset="0"/>
-                <a:ea typeface="Calibri" panose="020F0502020204030204" pitchFamily="34" charset="0"/>
-                <a:cs typeface="Times New Roman" panose="02020603050405020304" pitchFamily="18" charset="0"/>
-              </a:rPr>
-              <a:t>konkurents</a:t>
-            </a:r>
-            <a:r>
-              <a:rPr lang="en-US" dirty="0">
-                <a:latin typeface="Times New Roman" panose="02020603050405020304" pitchFamily="18" charset="0"/>
-                <a:ea typeface="Calibri" panose="020F0502020204030204" pitchFamily="34" charset="0"/>
-                <a:cs typeface="Times New Roman" panose="02020603050405020304" pitchFamily="18" charset="0"/>
-              </a:rPr>
-              <a:t>.</a:t>
-            </a:r>
-            <a:endParaRPr lang="ru-RU" sz="1400" dirty="0">
-              <a:latin typeface="Calibri" panose="020F0502020204030204" pitchFamily="34" charset="0"/>
-              <a:ea typeface="Calibri" panose="020F0502020204030204" pitchFamily="34" charset="0"/>
-              <a:cs typeface="Times New Roman" panose="02020603050405020304" pitchFamily="18" charset="0"/>
+            <a:pPr algn="just"/>
+            <a:r>
+              <a:rPr lang="lv-LV" sz="2400" dirty="0">
+                <a:latin typeface="Arial" panose="020B0604020202020204" pitchFamily="34" charset="0"/>
+                <a:cs typeface="Arial" panose="020B0604020202020204" pitchFamily="34" charset="0"/>
+              </a:rPr>
+              <a:t>Iespēja apmaksāt rēķinus, jo ne visiem konkurentiem vietnē ir norēķinu sistēma, strādājot ar sistēmai pieslēgtu uzņēmumu </a:t>
+            </a:r>
+            <a:r>
+              <a:rPr lang="lv-LV" sz="2400" dirty="0" smtClean="0">
+                <a:latin typeface="Arial" panose="020B0604020202020204" pitchFamily="34" charset="0"/>
+                <a:cs typeface="Arial" panose="020B0604020202020204" pitchFamily="34" charset="0"/>
+              </a:rPr>
+              <a:t>klientiem.</a:t>
+            </a:r>
+            <a:endParaRPr lang="ru-RU" sz="2400" dirty="0">
+              <a:latin typeface="Arial" panose="020B0604020202020204" pitchFamily="34" charset="0"/>
+              <a:cs typeface="Arial" panose="020B0604020202020204" pitchFamily="34" charset="0"/>
             </a:endParaRPr>
           </a:p>
         </p:txBody>
@@ -4404,6 +4457,18 @@
   <p:clrMapOvr>
     <a:masterClrMapping/>
   </p:clrMapOvr>
+  <mc:AlternateContent xmlns:mc="http://schemas.openxmlformats.org/markup-compatibility/2006">
+    <mc:Choice xmlns:p14="http://schemas.microsoft.com/office/powerpoint/2010/main" Requires="p14">
+      <p:transition spd="slow">
+        <p14:reveal/>
+      </p:transition>
+    </mc:Choice>
+    <mc:Fallback>
+      <p:transition spd="slow">
+        <p:fade/>
+      </p:transition>
+    </mc:Fallback>
+  </mc:AlternateContent>
   <p:timing>
     <p:tnLst>
       <p:par>
@@ -4454,25 +4519,29 @@
           <a:p>
             <a:r>
               <a:rPr lang="en-US" b="1" dirty="0">
-                <a:latin typeface="Times New Roman" panose="02020603050405020304" pitchFamily="18" charset="0"/>
+                <a:latin typeface="Arial" panose="020B0604020202020204" pitchFamily="34" charset="0"/>
                 <a:ea typeface="Calibri" panose="020F0502020204030204" pitchFamily="34" charset="0"/>
+                <a:cs typeface="Arial" panose="020B0604020202020204" pitchFamily="34" charset="0"/>
               </a:rPr>
               <a:t>UZDEVUMA NOSTĀDNE</a:t>
             </a:r>
-            <a:endParaRPr lang="ru-RU" dirty="0"/>
-          </a:p>
-        </p:txBody>
-      </p:sp>
-      <p:sp>
-        <p:nvSpPr>
-          <p:cNvPr id="3" name="Прямоугольник 2"/>
+            <a:endParaRPr lang="ru-RU" dirty="0">
+              <a:latin typeface="Arial" panose="020B0604020202020204" pitchFamily="34" charset="0"/>
+              <a:cs typeface="Arial" panose="020B0604020202020204" pitchFamily="34" charset="0"/>
+            </a:endParaRPr>
+          </a:p>
+        </p:txBody>
+      </p:sp>
+      <p:sp>
+        <p:nvSpPr>
+          <p:cNvPr id="4" name="Прямоугольник 3"/>
           <p:cNvSpPr/>
           <p:nvPr/>
         </p:nvSpPr>
         <p:spPr>
           <a:xfrm>
-            <a:off x="838200" y="2178403"/>
-            <a:ext cx="6988728" cy="3333285"/>
+            <a:off x="838200" y="1780374"/>
+            <a:ext cx="6921617" cy="4154984"/>
           </a:xfrm>
           <a:prstGeom prst="rect">
             <a:avLst/>
@@ -4484,353 +4553,195 @@
           </a:bodyPr>
           <a:lstStyle/>
           <a:p>
-            <a:pPr>
-              <a:lnSpc>
-                <a:spcPct val="106000"/>
-              </a:lnSpc>
-              <a:spcAft>
-                <a:spcPts val="800"/>
-              </a:spcAft>
+            <a:r>
+              <a:rPr lang="en-US" sz="2400" b="1" dirty="0" smtClean="0">
+                <a:latin typeface="Arial" panose="020B0604020202020204" pitchFamily="34" charset="0"/>
+                <a:cs typeface="Arial" panose="020B0604020202020204" pitchFamily="34" charset="0"/>
+              </a:rPr>
+              <a:t>3</a:t>
+            </a:r>
+            <a:r>
+              <a:rPr lang="lv-LV" sz="2400" b="1" dirty="0" smtClean="0">
+                <a:latin typeface="Arial" panose="020B0604020202020204" pitchFamily="34" charset="0"/>
+                <a:cs typeface="Arial" panose="020B0604020202020204" pitchFamily="34" charset="0"/>
+              </a:rPr>
+              <a:t>. </a:t>
+            </a:r>
+            <a:r>
+              <a:rPr lang="pt-BR" sz="2400" b="1" dirty="0">
+                <a:latin typeface="Arial" panose="020B0604020202020204" pitchFamily="34" charset="0"/>
+                <a:cs typeface="Arial" panose="020B0604020202020204" pitchFamily="34" charset="0"/>
+              </a:rPr>
+              <a:t>Kādam nolūkam tas ir paredzēts</a:t>
+            </a:r>
+            <a:r>
+              <a:rPr lang="pt-BR" sz="2400" b="1" dirty="0" smtClean="0">
+                <a:latin typeface="Arial" panose="020B0604020202020204" pitchFamily="34" charset="0"/>
+                <a:cs typeface="Arial" panose="020B0604020202020204" pitchFamily="34" charset="0"/>
+              </a:rPr>
+              <a:t>:</a:t>
+            </a:r>
+            <a:endParaRPr lang="ru-RU" sz="2400" b="1" dirty="0" smtClean="0">
+              <a:latin typeface="Arial" panose="020B0604020202020204" pitchFamily="34" charset="0"/>
+              <a:cs typeface="Arial" panose="020B0604020202020204" pitchFamily="34" charset="0"/>
+            </a:endParaRPr>
+          </a:p>
+          <a:p>
+            <a:endParaRPr lang="en-US" sz="2400" dirty="0" smtClean="0">
+              <a:latin typeface="Arial" panose="020B0604020202020204" pitchFamily="34" charset="0"/>
+              <a:cs typeface="Arial" panose="020B0604020202020204" pitchFamily="34" charset="0"/>
+            </a:endParaRPr>
+          </a:p>
+          <a:p>
+            <a:pPr marL="342900" indent="-342900">
+              <a:buFont typeface="Arial" panose="020B0604020202020204" pitchFamily="34" charset="0"/>
+              <a:buChar char="•"/>
             </a:pPr>
             <a:r>
-              <a:rPr lang="en-US" b="1" dirty="0">
-                <a:latin typeface="Times New Roman" panose="02020603050405020304" pitchFamily="18" charset="0"/>
-                <a:ea typeface="Calibri" panose="020F0502020204030204" pitchFamily="34" charset="0"/>
-                <a:cs typeface="Times New Roman" panose="02020603050405020304" pitchFamily="18" charset="0"/>
-              </a:rPr>
-              <a:t>Ir </a:t>
-            </a:r>
-            <a:r>
-              <a:rPr lang="en-US" b="1" dirty="0" err="1">
-                <a:latin typeface="Times New Roman" panose="02020603050405020304" pitchFamily="18" charset="0"/>
-                <a:ea typeface="Calibri" panose="020F0502020204030204" pitchFamily="34" charset="0"/>
-                <a:cs typeface="Times New Roman" panose="02020603050405020304" pitchFamily="18" charset="0"/>
-              </a:rPr>
-              <a:t>plānotas</a:t>
-            </a:r>
-            <a:r>
-              <a:rPr lang="en-US" b="1" dirty="0">
-                <a:latin typeface="Times New Roman" panose="02020603050405020304" pitchFamily="18" charset="0"/>
-                <a:ea typeface="Calibri" panose="020F0502020204030204" pitchFamily="34" charset="0"/>
-                <a:cs typeface="Times New Roman" panose="02020603050405020304" pitchFamily="18" charset="0"/>
-              </a:rPr>
-              <a:t> vairākas funkcijas:</a:t>
-            </a:r>
-            <a:endParaRPr lang="ru-RU" sz="1400" dirty="0">
-              <a:latin typeface="Calibri" panose="020F0502020204030204" pitchFamily="34" charset="0"/>
-              <a:ea typeface="Calibri" panose="020F0502020204030204" pitchFamily="34" charset="0"/>
-              <a:cs typeface="Times New Roman" panose="02020603050405020304" pitchFamily="18" charset="0"/>
+              <a:rPr lang="lv-LV" sz="2400" dirty="0" smtClean="0">
+                <a:latin typeface="Arial" panose="020B0604020202020204" pitchFamily="34" charset="0"/>
+                <a:cs typeface="Arial" panose="020B0604020202020204" pitchFamily="34" charset="0"/>
+              </a:rPr>
+              <a:t>Automātiska </a:t>
+            </a:r>
+            <a:r>
+              <a:rPr lang="lv-LV" sz="2400" dirty="0">
+                <a:latin typeface="Arial" panose="020B0604020202020204" pitchFamily="34" charset="0"/>
+                <a:cs typeface="Arial" panose="020B0604020202020204" pitchFamily="34" charset="0"/>
+              </a:rPr>
+              <a:t>rēķina </a:t>
+            </a:r>
+            <a:r>
+              <a:rPr lang="lv-LV" sz="2400" dirty="0" smtClean="0">
+                <a:latin typeface="Arial" panose="020B0604020202020204" pitchFamily="34" charset="0"/>
+                <a:cs typeface="Arial" panose="020B0604020202020204" pitchFamily="34" charset="0"/>
+              </a:rPr>
+              <a:t>izveide.</a:t>
+            </a:r>
+            <a:endParaRPr lang="en-US" sz="2400" dirty="0" smtClean="0">
+              <a:latin typeface="Arial" panose="020B0604020202020204" pitchFamily="34" charset="0"/>
+              <a:cs typeface="Arial" panose="020B0604020202020204" pitchFamily="34" charset="0"/>
             </a:endParaRPr>
           </a:p>
           <a:p>
-            <a:pPr>
-              <a:lnSpc>
-                <a:spcPct val="106000"/>
-              </a:lnSpc>
-              <a:spcAft>
-                <a:spcPts val="800"/>
-              </a:spcAft>
+            <a:endParaRPr lang="en-US" sz="2400" dirty="0" smtClean="0">
+              <a:latin typeface="Arial" panose="020B0604020202020204" pitchFamily="34" charset="0"/>
+              <a:cs typeface="Arial" panose="020B0604020202020204" pitchFamily="34" charset="0"/>
+            </a:endParaRPr>
+          </a:p>
+          <a:p>
+            <a:pPr marL="342900" indent="-342900">
+              <a:buFont typeface="Arial" panose="020B0604020202020204" pitchFamily="34" charset="0"/>
+              <a:buChar char="•"/>
             </a:pPr>
             <a:r>
-              <a:rPr lang="en-US" b="1" dirty="0">
-                <a:latin typeface="Times New Roman" panose="02020603050405020304" pitchFamily="18" charset="0"/>
-                <a:ea typeface="Calibri" panose="020F0502020204030204" pitchFamily="34" charset="0"/>
-                <a:cs typeface="Times New Roman" panose="02020603050405020304" pitchFamily="18" charset="0"/>
-              </a:rPr>
-              <a:t> </a:t>
-            </a:r>
-            <a:endParaRPr lang="ru-RU" sz="1400" dirty="0">
-              <a:latin typeface="Calibri" panose="020F0502020204030204" pitchFamily="34" charset="0"/>
-              <a:ea typeface="Calibri" panose="020F0502020204030204" pitchFamily="34" charset="0"/>
-              <a:cs typeface="Times New Roman" panose="02020603050405020304" pitchFamily="18" charset="0"/>
+              <a:rPr lang="lv-LV" sz="2400" dirty="0" smtClean="0">
+                <a:latin typeface="Arial" panose="020B0604020202020204" pitchFamily="34" charset="0"/>
+                <a:cs typeface="Arial" panose="020B0604020202020204" pitchFamily="34" charset="0"/>
+              </a:rPr>
+              <a:t>Ilgstoša </a:t>
+            </a:r>
+            <a:r>
+              <a:rPr lang="lv-LV" sz="2400" dirty="0">
+                <a:latin typeface="Arial" panose="020B0604020202020204" pitchFamily="34" charset="0"/>
+                <a:cs typeface="Arial" panose="020B0604020202020204" pitchFamily="34" charset="0"/>
+              </a:rPr>
+              <a:t>un uzticama rēķinu glabāšana elektroniskā veidā uz servera </a:t>
+            </a:r>
+            <a:r>
+              <a:rPr lang="en-US" sz="2400" dirty="0" smtClean="0">
+                <a:latin typeface="Arial" panose="020B0604020202020204" pitchFamily="34" charset="0"/>
+                <a:cs typeface="Arial" panose="020B0604020202020204" pitchFamily="34" charset="0"/>
+              </a:rPr>
+              <a:t>“</a:t>
+            </a:r>
+            <a:r>
+              <a:rPr lang="lv-LV" sz="2400" dirty="0" smtClean="0">
+                <a:latin typeface="Arial" panose="020B0604020202020204" pitchFamily="34" charset="0"/>
+                <a:cs typeface="Arial" panose="020B0604020202020204" pitchFamily="34" charset="0"/>
+              </a:rPr>
+              <a:t>eurocipari.lv</a:t>
+            </a:r>
+            <a:r>
+              <a:rPr lang="en-US" sz="2400" dirty="0" smtClean="0">
+                <a:latin typeface="Arial" panose="020B0604020202020204" pitchFamily="34" charset="0"/>
+                <a:cs typeface="Arial" panose="020B0604020202020204" pitchFamily="34" charset="0"/>
+              </a:rPr>
+              <a:t>”.</a:t>
+            </a:r>
+          </a:p>
+          <a:p>
+            <a:endParaRPr lang="en-US" sz="2400" dirty="0" smtClean="0">
+              <a:latin typeface="Arial" panose="020B0604020202020204" pitchFamily="34" charset="0"/>
+              <a:cs typeface="Arial" panose="020B0604020202020204" pitchFamily="34" charset="0"/>
             </a:endParaRPr>
           </a:p>
           <a:p>
-            <a:pPr marL="342900" marR="0" lvl="0" indent="-342900">
-              <a:lnSpc>
-                <a:spcPct val="150000"/>
-              </a:lnSpc>
-              <a:spcBef>
-                <a:spcPts val="0"/>
-              </a:spcBef>
-              <a:spcAft>
-                <a:spcPts val="0"/>
-              </a:spcAft>
-              <a:buFont typeface="Symbol" panose="05050102010706020507" pitchFamily="18" charset="2"/>
-              <a:buChar char=""/>
+            <a:pPr marL="342900" indent="-342900">
+              <a:buFont typeface="Arial" panose="020B0604020202020204" pitchFamily="34" charset="0"/>
+              <a:buChar char="•"/>
             </a:pPr>
             <a:r>
-              <a:rPr lang="en-US" dirty="0" err="1">
-                <a:latin typeface="Times New Roman" panose="02020603050405020304" pitchFamily="18" charset="0"/>
-                <a:ea typeface="Calibri" panose="020F0502020204030204" pitchFamily="34" charset="0"/>
-                <a:cs typeface="Times New Roman" panose="02020603050405020304" pitchFamily="18" charset="0"/>
-              </a:rPr>
-              <a:t>Maksājuma</a:t>
-            </a:r>
-            <a:r>
-              <a:rPr lang="en-US" dirty="0">
-                <a:latin typeface="Times New Roman" panose="02020603050405020304" pitchFamily="18" charset="0"/>
-                <a:ea typeface="Calibri" panose="020F0502020204030204" pitchFamily="34" charset="0"/>
-                <a:cs typeface="Times New Roman" panose="02020603050405020304" pitchFamily="18" charset="0"/>
-              </a:rPr>
-              <a:t> </a:t>
-            </a:r>
-            <a:r>
-              <a:rPr lang="en-US" dirty="0" err="1">
-                <a:latin typeface="Times New Roman" panose="02020603050405020304" pitchFamily="18" charset="0"/>
-                <a:ea typeface="Calibri" panose="020F0502020204030204" pitchFamily="34" charset="0"/>
-                <a:cs typeface="Times New Roman" panose="02020603050405020304" pitchFamily="18" charset="0"/>
-              </a:rPr>
-              <a:t>parvāldība</a:t>
-            </a:r>
-            <a:r>
-              <a:rPr lang="en-US" dirty="0">
-                <a:latin typeface="Times New Roman" panose="02020603050405020304" pitchFamily="18" charset="0"/>
-                <a:ea typeface="Calibri" panose="020F0502020204030204" pitchFamily="34" charset="0"/>
-                <a:cs typeface="Times New Roman" panose="02020603050405020304" pitchFamily="18" charset="0"/>
+              <a:rPr lang="lv-LV" sz="2400" dirty="0" smtClean="0">
+                <a:latin typeface="Arial" panose="020B0604020202020204" pitchFamily="34" charset="0"/>
+                <a:cs typeface="Arial" panose="020B0604020202020204" pitchFamily="34" charset="0"/>
+              </a:rPr>
+              <a:t>Klientu </a:t>
+            </a:r>
+            <a:r>
+              <a:rPr lang="lv-LV" sz="2400" dirty="0">
+                <a:latin typeface="Arial" panose="020B0604020202020204" pitchFamily="34" charset="0"/>
+                <a:cs typeface="Arial" panose="020B0604020202020204" pitchFamily="34" charset="0"/>
+              </a:rPr>
+              <a:t>informēšana par rēķinu </a:t>
+            </a:r>
+            <a:r>
+              <a:rPr lang="lv-LV" sz="2400" dirty="0" smtClean="0">
+                <a:latin typeface="Arial" panose="020B0604020202020204" pitchFamily="34" charset="0"/>
+                <a:cs typeface="Arial" panose="020B0604020202020204" pitchFamily="34" charset="0"/>
+              </a:rPr>
+              <a:t>apmaksu</a:t>
+            </a:r>
+            <a:r>
+              <a:rPr lang="en-US" sz="2400" dirty="0" smtClean="0">
+                <a:latin typeface="Arial" panose="020B0604020202020204" pitchFamily="34" charset="0"/>
+                <a:cs typeface="Arial" panose="020B0604020202020204" pitchFamily="34" charset="0"/>
               </a:rPr>
               <a:t>.</a:t>
             </a:r>
-            <a:endParaRPr lang="ru-RU" sz="1400" dirty="0">
-              <a:latin typeface="Calibri" panose="020F0502020204030204" pitchFamily="34" charset="0"/>
-              <a:ea typeface="Calibri" panose="020F0502020204030204" pitchFamily="34" charset="0"/>
-              <a:cs typeface="Times New Roman" panose="02020603050405020304" pitchFamily="18" charset="0"/>
+          </a:p>
+          <a:p>
+            <a:pPr marL="342900" indent="-342900">
+              <a:buFont typeface="Arial" panose="020B0604020202020204" pitchFamily="34" charset="0"/>
+              <a:buChar char="•"/>
+            </a:pPr>
+            <a:endParaRPr lang="en-US" sz="2400" dirty="0" smtClean="0">
+              <a:latin typeface="Arial" panose="020B0604020202020204" pitchFamily="34" charset="0"/>
+              <a:cs typeface="Arial" panose="020B0604020202020204" pitchFamily="34" charset="0"/>
             </a:endParaRPr>
           </a:p>
           <a:p>
-            <a:pPr marL="342900" marR="0" lvl="0" indent="-342900">
-              <a:lnSpc>
-                <a:spcPct val="150000"/>
-              </a:lnSpc>
-              <a:spcBef>
-                <a:spcPts val="0"/>
-              </a:spcBef>
-              <a:spcAft>
-                <a:spcPts val="0"/>
-              </a:spcAft>
-              <a:buFont typeface="Symbol" panose="05050102010706020507" pitchFamily="18" charset="2"/>
-              <a:buChar char=""/>
+            <a:pPr marL="342900" indent="-342900">
+              <a:buFont typeface="Arial" panose="020B0604020202020204" pitchFamily="34" charset="0"/>
+              <a:buChar char="•"/>
             </a:pPr>
             <a:r>
-              <a:rPr lang="en-US" dirty="0" err="1">
-                <a:latin typeface="Times New Roman" panose="02020603050405020304" pitchFamily="18" charset="0"/>
-                <a:ea typeface="Calibri" panose="020F0502020204030204" pitchFamily="34" charset="0"/>
-                <a:cs typeface="Times New Roman" panose="02020603050405020304" pitchFamily="18" charset="0"/>
-              </a:rPr>
-              <a:t>Administratora</a:t>
-            </a:r>
-            <a:r>
-              <a:rPr lang="en-US" dirty="0">
-                <a:latin typeface="Times New Roman" panose="02020603050405020304" pitchFamily="18" charset="0"/>
-                <a:ea typeface="Calibri" panose="020F0502020204030204" pitchFamily="34" charset="0"/>
-                <a:cs typeface="Times New Roman" panose="02020603050405020304" pitchFamily="18" charset="0"/>
-              </a:rPr>
-              <a:t> pārvaldībā.</a:t>
-            </a:r>
-            <a:endParaRPr lang="ru-RU" sz="1400" dirty="0">
-              <a:latin typeface="Calibri" panose="020F0502020204030204" pitchFamily="34" charset="0"/>
-              <a:ea typeface="Calibri" panose="020F0502020204030204" pitchFamily="34" charset="0"/>
-              <a:cs typeface="Times New Roman" panose="02020603050405020304" pitchFamily="18" charset="0"/>
-            </a:endParaRPr>
-          </a:p>
-          <a:p>
-            <a:pPr marL="342900" marR="0" lvl="0" indent="-342900">
-              <a:lnSpc>
-                <a:spcPct val="150000"/>
-              </a:lnSpc>
-              <a:spcBef>
-                <a:spcPts val="0"/>
-              </a:spcBef>
-              <a:spcAft>
-                <a:spcPts val="0"/>
-              </a:spcAft>
-              <a:buFont typeface="Symbol" panose="05050102010706020507" pitchFamily="18" charset="2"/>
-              <a:buChar char=""/>
-            </a:pPr>
-            <a:r>
-              <a:rPr lang="en-US" dirty="0" err="1">
-                <a:latin typeface="Times New Roman" panose="02020603050405020304" pitchFamily="18" charset="0"/>
-                <a:ea typeface="Calibri" panose="020F0502020204030204" pitchFamily="34" charset="0"/>
-                <a:cs typeface="Times New Roman" panose="02020603050405020304" pitchFamily="18" charset="0"/>
-              </a:rPr>
-              <a:t>Kompanijas</a:t>
-            </a:r>
-            <a:r>
-              <a:rPr lang="en-US" dirty="0">
-                <a:latin typeface="Times New Roman" panose="02020603050405020304" pitchFamily="18" charset="0"/>
-                <a:ea typeface="Calibri" panose="020F0502020204030204" pitchFamily="34" charset="0"/>
-                <a:cs typeface="Times New Roman" panose="02020603050405020304" pitchFamily="18" charset="0"/>
-              </a:rPr>
-              <a:t> pārvaldībā.</a:t>
-            </a:r>
-            <a:endParaRPr lang="ru-RU" sz="1400" dirty="0">
-              <a:latin typeface="Calibri" panose="020F0502020204030204" pitchFamily="34" charset="0"/>
-              <a:ea typeface="Calibri" panose="020F0502020204030204" pitchFamily="34" charset="0"/>
-              <a:cs typeface="Times New Roman" panose="02020603050405020304" pitchFamily="18" charset="0"/>
-            </a:endParaRPr>
-          </a:p>
-          <a:p>
-            <a:pPr marL="342900" marR="0" lvl="0" indent="-342900">
-              <a:lnSpc>
-                <a:spcPct val="150000"/>
-              </a:lnSpc>
-              <a:spcBef>
-                <a:spcPts val="0"/>
-              </a:spcBef>
-              <a:spcAft>
-                <a:spcPts val="0"/>
-              </a:spcAft>
-              <a:buFont typeface="Symbol" panose="05050102010706020507" pitchFamily="18" charset="2"/>
-              <a:buChar char=""/>
-            </a:pPr>
-            <a:r>
-              <a:rPr lang="en-US" dirty="0">
-                <a:latin typeface="Times New Roman" panose="02020603050405020304" pitchFamily="18" charset="0"/>
-                <a:ea typeface="Calibri" panose="020F0502020204030204" pitchFamily="34" charset="0"/>
-                <a:cs typeface="Times New Roman" panose="02020603050405020304" pitchFamily="18" charset="0"/>
-              </a:rPr>
-              <a:t>Ziņas pārvaldībā.</a:t>
-            </a:r>
-            <a:endParaRPr lang="ru-RU" sz="1400" dirty="0">
-              <a:latin typeface="Calibri" panose="020F0502020204030204" pitchFamily="34" charset="0"/>
-              <a:ea typeface="Calibri" panose="020F0502020204030204" pitchFamily="34" charset="0"/>
-              <a:cs typeface="Times New Roman" panose="02020603050405020304" pitchFamily="18" charset="0"/>
-            </a:endParaRPr>
-          </a:p>
-          <a:p>
-            <a:pPr marL="342900" marR="0" lvl="0" indent="-342900">
-              <a:lnSpc>
-                <a:spcPct val="150000"/>
-              </a:lnSpc>
-              <a:spcBef>
-                <a:spcPts val="0"/>
-              </a:spcBef>
-              <a:spcAft>
-                <a:spcPts val="0"/>
-              </a:spcAft>
-              <a:buFont typeface="Symbol" panose="05050102010706020507" pitchFamily="18" charset="2"/>
-              <a:buChar char=""/>
-            </a:pPr>
-            <a:r>
-              <a:rPr lang="en-US" dirty="0">
-                <a:latin typeface="Times New Roman" panose="02020603050405020304" pitchFamily="18" charset="0"/>
-                <a:ea typeface="Calibri" panose="020F0502020204030204" pitchFamily="34" charset="0"/>
-                <a:cs typeface="Times New Roman" panose="02020603050405020304" pitchFamily="18" charset="0"/>
-              </a:rPr>
-              <a:t>Jautājumi </a:t>
-            </a:r>
-            <a:r>
-              <a:rPr lang="en-US" dirty="0" err="1">
-                <a:latin typeface="Times New Roman" panose="02020603050405020304" pitchFamily="18" charset="0"/>
-                <a:ea typeface="Calibri" panose="020F0502020204030204" pitchFamily="34" charset="0"/>
-                <a:cs typeface="Times New Roman" panose="02020603050405020304" pitchFamily="18" charset="0"/>
-              </a:rPr>
-              <a:t>prieķš</a:t>
-            </a:r>
-            <a:r>
-              <a:rPr lang="en-US" dirty="0">
-                <a:latin typeface="Times New Roman" panose="02020603050405020304" pitchFamily="18" charset="0"/>
-                <a:ea typeface="Calibri" panose="020F0502020204030204" pitchFamily="34" charset="0"/>
-                <a:cs typeface="Times New Roman" panose="02020603050405020304" pitchFamily="18" charset="0"/>
-              </a:rPr>
-              <a:t> sistēmas īpašniekiem un </a:t>
-            </a:r>
-            <a:r>
-              <a:rPr lang="en-US" dirty="0" err="1">
-                <a:latin typeface="Times New Roman" panose="02020603050405020304" pitchFamily="18" charset="0"/>
-                <a:ea typeface="Calibri" panose="020F0502020204030204" pitchFamily="34" charset="0"/>
-                <a:cs typeface="Times New Roman" panose="02020603050405020304" pitchFamily="18" charset="0"/>
-              </a:rPr>
-              <a:t>atgriezeniskā</a:t>
-            </a:r>
-            <a:r>
-              <a:rPr lang="en-US" dirty="0">
-                <a:latin typeface="Times New Roman" panose="02020603050405020304" pitchFamily="18" charset="0"/>
-                <a:ea typeface="Calibri" panose="020F0502020204030204" pitchFamily="34" charset="0"/>
-                <a:cs typeface="Times New Roman" panose="02020603050405020304" pitchFamily="18" charset="0"/>
-              </a:rPr>
-              <a:t> </a:t>
-            </a:r>
-            <a:r>
-              <a:rPr lang="en-US" dirty="0" err="1">
-                <a:latin typeface="Times New Roman" panose="02020603050405020304" pitchFamily="18" charset="0"/>
-                <a:ea typeface="Calibri" panose="020F0502020204030204" pitchFamily="34" charset="0"/>
-                <a:cs typeface="Times New Roman" panose="02020603050405020304" pitchFamily="18" charset="0"/>
-              </a:rPr>
-              <a:t>saite</a:t>
-            </a:r>
-            <a:r>
-              <a:rPr lang="en-US" dirty="0">
-                <a:latin typeface="Times New Roman" panose="02020603050405020304" pitchFamily="18" charset="0"/>
-                <a:ea typeface="Calibri" panose="020F0502020204030204" pitchFamily="34" charset="0"/>
-                <a:cs typeface="Times New Roman" panose="02020603050405020304" pitchFamily="18" charset="0"/>
-              </a:rPr>
-              <a:t>.</a:t>
-            </a:r>
-            <a:endParaRPr lang="ru-RU" sz="1400" dirty="0">
-              <a:latin typeface="Calibri" panose="020F0502020204030204" pitchFamily="34" charset="0"/>
-              <a:ea typeface="Calibri" panose="020F0502020204030204" pitchFamily="34" charset="0"/>
-              <a:cs typeface="Times New Roman" panose="02020603050405020304" pitchFamily="18" charset="0"/>
-            </a:endParaRPr>
-          </a:p>
-          <a:p>
-            <a:pPr marL="342900" marR="0" lvl="0" indent="-342900">
-              <a:lnSpc>
-                <a:spcPct val="150000"/>
-              </a:lnSpc>
-              <a:spcBef>
-                <a:spcPts val="0"/>
-              </a:spcBef>
-              <a:spcAft>
-                <a:spcPts val="800"/>
-              </a:spcAft>
-              <a:buFont typeface="Symbol" panose="05050102010706020507" pitchFamily="18" charset="2"/>
-              <a:buChar char=""/>
-            </a:pPr>
-            <a:r>
-              <a:rPr lang="en-US" dirty="0">
-                <a:latin typeface="Times New Roman" panose="02020603050405020304" pitchFamily="18" charset="0"/>
-                <a:ea typeface="Calibri" panose="020F0502020204030204" pitchFamily="34" charset="0"/>
-                <a:cs typeface="Times New Roman" panose="02020603050405020304" pitchFamily="18" charset="0"/>
-              </a:rPr>
-              <a:t>Iespēja </a:t>
-            </a:r>
-            <a:r>
-              <a:rPr lang="en-US" dirty="0" err="1">
-                <a:latin typeface="Times New Roman" panose="02020603050405020304" pitchFamily="18" charset="0"/>
-                <a:ea typeface="Calibri" panose="020F0502020204030204" pitchFamily="34" charset="0"/>
-                <a:cs typeface="Times New Roman" panose="02020603050405020304" pitchFamily="18" charset="0"/>
-              </a:rPr>
-              <a:t>saglabāt</a:t>
-            </a:r>
-            <a:r>
-              <a:rPr lang="en-US" dirty="0">
-                <a:latin typeface="Times New Roman" panose="02020603050405020304" pitchFamily="18" charset="0"/>
-                <a:ea typeface="Calibri" panose="020F0502020204030204" pitchFamily="34" charset="0"/>
-                <a:cs typeface="Times New Roman" panose="02020603050405020304" pitchFamily="18" charset="0"/>
-              </a:rPr>
-              <a:t> </a:t>
-            </a:r>
-            <a:r>
-              <a:rPr lang="en-US" dirty="0" err="1">
-                <a:latin typeface="Times New Roman" panose="02020603050405020304" pitchFamily="18" charset="0"/>
-                <a:ea typeface="Calibri" panose="020F0502020204030204" pitchFamily="34" charset="0"/>
-                <a:cs typeface="Times New Roman" panose="02020603050405020304" pitchFamily="18" charset="0"/>
-              </a:rPr>
-              <a:t>rēķina</a:t>
-            </a:r>
-            <a:r>
-              <a:rPr lang="en-US" dirty="0">
-                <a:latin typeface="Times New Roman" panose="02020603050405020304" pitchFamily="18" charset="0"/>
-                <a:ea typeface="Calibri" panose="020F0502020204030204" pitchFamily="34" charset="0"/>
-                <a:cs typeface="Times New Roman" panose="02020603050405020304" pitchFamily="18" charset="0"/>
-              </a:rPr>
-              <a:t> pdf.</a:t>
-            </a:r>
-            <a:endParaRPr lang="ru-RU" sz="1400" dirty="0">
-              <a:latin typeface="Calibri" panose="020F0502020204030204" pitchFamily="34" charset="0"/>
-              <a:ea typeface="Calibri" panose="020F0502020204030204" pitchFamily="34" charset="0"/>
-              <a:cs typeface="Times New Roman" panose="02020603050405020304" pitchFamily="18" charset="0"/>
+              <a:rPr lang="lv-LV" sz="2400" dirty="0" smtClean="0">
+                <a:latin typeface="Arial" panose="020B0604020202020204" pitchFamily="34" charset="0"/>
+                <a:cs typeface="Arial" panose="020B0604020202020204" pitchFamily="34" charset="0"/>
+              </a:rPr>
+              <a:t>Rēķinu </a:t>
+            </a:r>
+            <a:r>
+              <a:rPr lang="lv-LV" sz="2400" dirty="0">
+                <a:latin typeface="Arial" panose="020B0604020202020204" pitchFamily="34" charset="0"/>
+                <a:cs typeface="Arial" panose="020B0604020202020204" pitchFamily="34" charset="0"/>
+              </a:rPr>
+              <a:t>apmaksas iespējas nodrošināšana uzņēmuma klientiem.</a:t>
+            </a:r>
+            <a:endParaRPr lang="ru-RU" sz="2400" dirty="0">
+              <a:latin typeface="Arial" panose="020B0604020202020204" pitchFamily="34" charset="0"/>
+              <a:cs typeface="Arial" panose="020B0604020202020204" pitchFamily="34" charset="0"/>
             </a:endParaRPr>
           </a:p>
         </p:txBody>
@@ -4838,13 +4749,25 @@
     </p:spTree>
     <p:extLst>
       <p:ext uri="{BB962C8B-B14F-4D97-AF65-F5344CB8AC3E}">
-        <p14:creationId xmlns:p14="http://schemas.microsoft.com/office/powerpoint/2010/main" val="3948251651"/>
+        <p14:creationId xmlns:p14="http://schemas.microsoft.com/office/powerpoint/2010/main" val="3207604390"/>
       </p:ext>
     </p:extLst>
   </p:cSld>
   <p:clrMapOvr>
     <a:masterClrMapping/>
   </p:clrMapOvr>
+  <mc:AlternateContent xmlns:mc="http://schemas.openxmlformats.org/markup-compatibility/2006">
+    <mc:Choice xmlns:p14="http://schemas.microsoft.com/office/powerpoint/2010/main" Requires="p14">
+      <p:transition spd="slow">
+        <p14:reveal/>
+      </p:transition>
+    </mc:Choice>
+    <mc:Fallback>
+      <p:transition spd="slow">
+        <p:fade/>
+      </p:transition>
+    </mc:Fallback>
+  </mc:AlternateContent>
   <p:timing>
     <p:tnLst>
       <p:par>
@@ -4894,29 +4817,30 @@
           <a:lstStyle/>
           <a:p>
             <a:r>
-              <a:rPr lang="lv-LV" b="1" dirty="0" smtClean="0">
-                <a:latin typeface="Times New Roman" panose="02020603050405020304" pitchFamily="18" charset="0"/>
-                <a:cs typeface="Times New Roman" panose="02020603050405020304" pitchFamily="18" charset="0"/>
-              </a:rPr>
-              <a:t>IZSTRĀDES TEHNOLOĢIJAS</a:t>
-            </a:r>
-            <a:endParaRPr lang="ru-RU" b="1" dirty="0">
-              <a:latin typeface="Times New Roman" panose="02020603050405020304" pitchFamily="18" charset="0"/>
-              <a:cs typeface="Times New Roman" panose="02020603050405020304" pitchFamily="18" charset="0"/>
+              <a:rPr lang="en-US" b="1" dirty="0">
+                <a:latin typeface="Arial" panose="020B0604020202020204" pitchFamily="34" charset="0"/>
+                <a:ea typeface="Calibri" panose="020F0502020204030204" pitchFamily="34" charset="0"/>
+                <a:cs typeface="Arial" panose="020B0604020202020204" pitchFamily="34" charset="0"/>
+              </a:rPr>
+              <a:t>UZDEVUMA NOSTĀDNE</a:t>
+            </a:r>
+            <a:endParaRPr lang="ru-RU" dirty="0">
+              <a:latin typeface="Arial" panose="020B0604020202020204" pitchFamily="34" charset="0"/>
+              <a:cs typeface="Arial" panose="020B0604020202020204" pitchFamily="34" charset="0"/>
             </a:endParaRPr>
           </a:p>
         </p:txBody>
       </p:sp>
       <p:sp>
         <p:nvSpPr>
-          <p:cNvPr id="3" name="Прямоугольник 2"/>
+          <p:cNvPr id="4" name="Прямоугольник 3"/>
           <p:cNvSpPr/>
           <p:nvPr/>
         </p:nvSpPr>
         <p:spPr>
           <a:xfrm>
-            <a:off x="838200" y="1907729"/>
-            <a:ext cx="6988728" cy="4744119"/>
+            <a:off x="838200" y="1780374"/>
+            <a:ext cx="6921617" cy="2308324"/>
           </a:xfrm>
           <a:prstGeom prst="rect">
             <a:avLst/>
@@ -4928,237 +4852,245 @@
           </a:bodyPr>
           <a:lstStyle/>
           <a:p>
-            <a:pPr marL="285750" indent="-285750">
-              <a:lnSpc>
-                <a:spcPct val="106000"/>
-              </a:lnSpc>
-              <a:spcAft>
-                <a:spcPts val="800"/>
-              </a:spcAft>
-              <a:buFont typeface="Arial" panose="020B0604020202020204" pitchFamily="34" charset="0"/>
-              <a:buChar char="•"/>
-            </a:pPr>
-            <a:r>
-              <a:rPr lang="en-US" dirty="0"/>
-              <a:t>MySQL </a:t>
-            </a:r>
-            <a:r>
-              <a:rPr lang="en-US" dirty="0" smtClean="0"/>
-              <a:t>8.0</a:t>
-            </a:r>
-            <a:endParaRPr lang="lv-LV" dirty="0"/>
-          </a:p>
-          <a:p>
-            <a:pPr marL="285750" indent="-285750">
-              <a:lnSpc>
-                <a:spcPct val="106000"/>
-              </a:lnSpc>
-              <a:spcAft>
-                <a:spcPts val="800"/>
-              </a:spcAft>
-              <a:buFont typeface="Arial" panose="020B0604020202020204" pitchFamily="34" charset="0"/>
-              <a:buChar char="•"/>
-            </a:pPr>
-            <a:r>
-              <a:rPr lang="en-US" dirty="0" smtClean="0"/>
-              <a:t>PHP 8.1</a:t>
-            </a:r>
-            <a:endParaRPr lang="lv-LV" dirty="0" smtClean="0"/>
-          </a:p>
-          <a:p>
-            <a:pPr marL="285750" indent="-285750">
-              <a:lnSpc>
-                <a:spcPct val="106000"/>
-              </a:lnSpc>
-              <a:spcAft>
-                <a:spcPts val="800"/>
-              </a:spcAft>
-              <a:buFont typeface="Arial" panose="020B0604020202020204" pitchFamily="34" charset="0"/>
-              <a:buChar char="•"/>
-            </a:pPr>
-            <a:r>
-              <a:rPr lang="en-US" dirty="0" smtClean="0"/>
-              <a:t>HTML 5</a:t>
-            </a:r>
-            <a:endParaRPr lang="lv-LV" dirty="0" smtClean="0"/>
-          </a:p>
-          <a:p>
-            <a:pPr marL="285750" indent="-285750">
-              <a:lnSpc>
-                <a:spcPct val="106000"/>
-              </a:lnSpc>
-              <a:spcAft>
-                <a:spcPts val="800"/>
-              </a:spcAft>
-              <a:buFont typeface="Arial" panose="020B0604020202020204" pitchFamily="34" charset="0"/>
-              <a:buChar char="•"/>
-            </a:pPr>
-            <a:r>
-              <a:rPr lang="en-US" dirty="0" smtClean="0"/>
-              <a:t>CSS</a:t>
-            </a:r>
-            <a:endParaRPr lang="lv-LV" dirty="0" smtClean="0"/>
-          </a:p>
-          <a:p>
-            <a:pPr marL="285750" indent="-285750">
-              <a:lnSpc>
-                <a:spcPct val="106000"/>
-              </a:lnSpc>
-              <a:spcAft>
-                <a:spcPts val="800"/>
-              </a:spcAft>
-              <a:buFont typeface="Arial" panose="020B0604020202020204" pitchFamily="34" charset="0"/>
-              <a:buChar char="•"/>
-            </a:pPr>
-            <a:r>
-              <a:rPr lang="lv-LV" dirty="0" smtClean="0"/>
-              <a:t>JS</a:t>
-            </a:r>
-            <a:endParaRPr lang="lv-LV" dirty="0"/>
-          </a:p>
-          <a:p>
-            <a:pPr marL="285750" indent="-285750">
-              <a:lnSpc>
-                <a:spcPct val="106000"/>
-              </a:lnSpc>
-              <a:spcAft>
-                <a:spcPts val="800"/>
-              </a:spcAft>
-              <a:buFont typeface="Arial" panose="020B0604020202020204" pitchFamily="34" charset="0"/>
-              <a:buChar char="•"/>
-            </a:pPr>
-            <a:r>
-              <a:rPr lang="en-US" dirty="0" smtClean="0"/>
-              <a:t>LARAVEL 10</a:t>
-            </a:r>
-            <a:endParaRPr lang="lv-LV" dirty="0"/>
-          </a:p>
-          <a:p>
-            <a:pPr marL="285750" indent="-285750">
-              <a:lnSpc>
-                <a:spcPct val="106000"/>
-              </a:lnSpc>
-              <a:spcAft>
-                <a:spcPts val="800"/>
-              </a:spcAft>
-              <a:buFont typeface="Arial" panose="020B0604020202020204" pitchFamily="34" charset="0"/>
-              <a:buChar char="•"/>
-            </a:pPr>
-            <a:r>
-              <a:rPr lang="lv-LV" dirty="0" smtClean="0"/>
-              <a:t>Git</a:t>
-            </a:r>
-          </a:p>
-          <a:p>
-            <a:pPr marL="285750" indent="-285750">
-              <a:lnSpc>
-                <a:spcPct val="106000"/>
-              </a:lnSpc>
-              <a:spcAft>
-                <a:spcPts val="800"/>
-              </a:spcAft>
-              <a:buFont typeface="Arial" panose="020B0604020202020204" pitchFamily="34" charset="0"/>
-              <a:buChar char="•"/>
-            </a:pPr>
-            <a:r>
-              <a:rPr lang="lv-LV" dirty="0" smtClean="0"/>
-              <a:t>Postman</a:t>
-            </a:r>
-          </a:p>
-          <a:p>
-            <a:pPr marL="285750" indent="-285750">
-              <a:lnSpc>
-                <a:spcPct val="106000"/>
-              </a:lnSpc>
-              <a:spcAft>
-                <a:spcPts val="800"/>
-              </a:spcAft>
-              <a:buFont typeface="Arial" panose="020B0604020202020204" pitchFamily="34" charset="0"/>
-              <a:buChar char="•"/>
-            </a:pPr>
-            <a:r>
-              <a:rPr lang="lv-LV" dirty="0" smtClean="0"/>
-              <a:t>Microsoft </a:t>
-            </a:r>
-            <a:r>
-              <a:rPr lang="lv-LV" dirty="0"/>
-              <a:t>Word </a:t>
-            </a:r>
-            <a:r>
-              <a:rPr lang="lv-LV" dirty="0" smtClean="0"/>
-              <a:t>2016</a:t>
-            </a:r>
-          </a:p>
-          <a:p>
-            <a:pPr marL="285750" indent="-285750">
-              <a:lnSpc>
-                <a:spcPct val="106000"/>
-              </a:lnSpc>
-              <a:spcAft>
-                <a:spcPts val="800"/>
-              </a:spcAft>
-              <a:buFont typeface="Arial" panose="020B0604020202020204" pitchFamily="34" charset="0"/>
-              <a:buChar char="•"/>
-            </a:pPr>
-            <a:r>
-              <a:rPr lang="lv-LV" dirty="0" smtClean="0"/>
-              <a:t>Microsoft </a:t>
-            </a:r>
-            <a:r>
-              <a:rPr lang="lv-LV" dirty="0"/>
-              <a:t>powerpoint </a:t>
-            </a:r>
-            <a:r>
-              <a:rPr lang="lv-LV" dirty="0" smtClean="0"/>
-              <a:t>2016</a:t>
-            </a:r>
-          </a:p>
-          <a:p>
-            <a:pPr>
-              <a:lnSpc>
-                <a:spcPct val="106000"/>
-              </a:lnSpc>
-              <a:spcAft>
-                <a:spcPts val="800"/>
-              </a:spcAft>
-            </a:pPr>
-            <a:r>
-              <a:rPr lang="lv-LV" dirty="0" smtClean="0"/>
-              <a:t>--------------</a:t>
-            </a:r>
-            <a:endParaRPr lang="lv-LV" dirty="0"/>
-          </a:p>
-          <a:p>
-            <a:pPr marL="285750" indent="-285750">
-              <a:lnSpc>
-                <a:spcPct val="106000"/>
-              </a:lnSpc>
-              <a:spcAft>
-                <a:spcPts val="800"/>
-              </a:spcAft>
-              <a:buFont typeface="Arial" panose="020B0604020202020204" pitchFamily="34" charset="0"/>
-              <a:buChar char="•"/>
-            </a:pPr>
-            <a:r>
-              <a:rPr lang="en-US" dirty="0" err="1" smtClean="0"/>
-              <a:t>PHPstorm</a:t>
-            </a:r>
-            <a:r>
-              <a:rPr lang="en-US" dirty="0" smtClean="0"/>
-              <a:t> 2022.3.3</a:t>
-            </a:r>
-            <a:r>
-              <a:rPr lang="lv-LV" dirty="0" smtClean="0"/>
+            <a:r>
+              <a:rPr lang="ru-RU" sz="2400" b="1" dirty="0">
+                <a:latin typeface="Arial" panose="020B0604020202020204" pitchFamily="34" charset="0"/>
+                <a:cs typeface="Arial" panose="020B0604020202020204" pitchFamily="34" charset="0"/>
+              </a:rPr>
+              <a:t>4</a:t>
+            </a:r>
+            <a:r>
+              <a:rPr lang="lv-LV" sz="2400" b="1" dirty="0" smtClean="0">
+                <a:latin typeface="Arial" panose="020B0604020202020204" pitchFamily="34" charset="0"/>
+                <a:cs typeface="Arial" panose="020B0604020202020204" pitchFamily="34" charset="0"/>
+              </a:rPr>
+              <a:t>. </a:t>
+            </a:r>
+            <a:r>
+              <a:rPr lang="pt-BR" sz="2400" b="1" dirty="0">
+                <a:latin typeface="Arial" panose="020B0604020202020204" pitchFamily="34" charset="0"/>
+                <a:cs typeface="Arial" panose="020B0604020202020204" pitchFamily="34" charset="0"/>
+              </a:rPr>
+              <a:t>Kam tas ir </a:t>
+            </a:r>
+            <a:r>
+              <a:rPr lang="pt-BR" sz="2400" b="1" dirty="0" smtClean="0">
+                <a:latin typeface="Arial" panose="020B0604020202020204" pitchFamily="34" charset="0"/>
+                <a:cs typeface="Arial" panose="020B0604020202020204" pitchFamily="34" charset="0"/>
+              </a:rPr>
+              <a:t>paredzēts:</a:t>
+            </a:r>
+            <a:endParaRPr lang="ru-RU" sz="2400" b="1" dirty="0">
+              <a:latin typeface="Arial" panose="020B0604020202020204" pitchFamily="34" charset="0"/>
+              <a:cs typeface="Arial" panose="020B0604020202020204" pitchFamily="34" charset="0"/>
+            </a:endParaRPr>
+          </a:p>
+          <a:p>
+            <a:endParaRPr lang="ru-RU" sz="2400" b="1" dirty="0" smtClean="0">
+              <a:latin typeface="Arial" panose="020B0604020202020204" pitchFamily="34" charset="0"/>
+              <a:cs typeface="Arial" panose="020B0604020202020204" pitchFamily="34" charset="0"/>
+            </a:endParaRPr>
+          </a:p>
+          <a:p>
+            <a:r>
+              <a:rPr lang="en-US" sz="2400" dirty="0" smtClean="0">
+                <a:latin typeface="Arial" panose="020B0604020202020204" pitchFamily="34" charset="0"/>
+                <a:cs typeface="Arial" panose="020B0604020202020204" pitchFamily="34" charset="0"/>
+              </a:rPr>
+              <a:t>Finanšu </a:t>
+            </a:r>
+            <a:r>
+              <a:rPr lang="en-US" sz="2400" dirty="0">
+                <a:latin typeface="Arial" panose="020B0604020202020204" pitchFamily="34" charset="0"/>
+                <a:cs typeface="Arial" panose="020B0604020202020204" pitchFamily="34" charset="0"/>
+              </a:rPr>
+              <a:t>sistēmas tīmekļa vietne ir </a:t>
+            </a:r>
+            <a:r>
+              <a:rPr lang="en-US" sz="2400" dirty="0" err="1">
+                <a:latin typeface="Arial" panose="020B0604020202020204" pitchFamily="34" charset="0"/>
+                <a:cs typeface="Arial" panose="020B0604020202020204" pitchFamily="34" charset="0"/>
+              </a:rPr>
+              <a:t>paredzēta</a:t>
+            </a:r>
+            <a:r>
+              <a:rPr lang="en-US" sz="2400" dirty="0">
+                <a:latin typeface="Arial" panose="020B0604020202020204" pitchFamily="34" charset="0"/>
+                <a:cs typeface="Arial" panose="020B0604020202020204" pitchFamily="34" charset="0"/>
+              </a:rPr>
               <a:t> </a:t>
             </a:r>
             <a:r>
-              <a:rPr lang="lv-LV" dirty="0"/>
-              <a:t>– izstrādes vide</a:t>
-            </a:r>
-            <a:endParaRPr lang="ru-RU" sz="1400" dirty="0">
-              <a:latin typeface="Calibri" panose="020F0502020204030204" pitchFamily="34" charset="0"/>
-              <a:ea typeface="Calibri" panose="020F0502020204030204" pitchFamily="34" charset="0"/>
-              <a:cs typeface="Times New Roman" panose="02020603050405020304" pitchFamily="18" charset="0"/>
+              <a:rPr lang="en-US" sz="2400" dirty="0" err="1">
+                <a:latin typeface="Arial" panose="020B0604020202020204" pitchFamily="34" charset="0"/>
+                <a:cs typeface="Arial" panose="020B0604020202020204" pitchFamily="34" charset="0"/>
+              </a:rPr>
+              <a:t>plašam</a:t>
+            </a:r>
+            <a:r>
+              <a:rPr lang="en-US" sz="2400" dirty="0">
+                <a:latin typeface="Arial" panose="020B0604020202020204" pitchFamily="34" charset="0"/>
+                <a:cs typeface="Arial" panose="020B0604020202020204" pitchFamily="34" charset="0"/>
+              </a:rPr>
+              <a:t> </a:t>
+            </a:r>
+            <a:r>
+              <a:rPr lang="en-US" sz="2400" dirty="0" err="1">
+                <a:latin typeface="Arial" panose="020B0604020202020204" pitchFamily="34" charset="0"/>
+                <a:cs typeface="Arial" panose="020B0604020202020204" pitchFamily="34" charset="0"/>
+              </a:rPr>
+              <a:t>lietotāju</a:t>
+            </a:r>
+            <a:r>
+              <a:rPr lang="en-US" sz="2400" dirty="0">
+                <a:latin typeface="Arial" panose="020B0604020202020204" pitchFamily="34" charset="0"/>
+                <a:cs typeface="Arial" panose="020B0604020202020204" pitchFamily="34" charset="0"/>
+              </a:rPr>
+              <a:t> </a:t>
+            </a:r>
+            <a:r>
+              <a:rPr lang="en-US" sz="2400" dirty="0" err="1">
+                <a:latin typeface="Arial" panose="020B0604020202020204" pitchFamily="34" charset="0"/>
+                <a:cs typeface="Arial" panose="020B0604020202020204" pitchFamily="34" charset="0"/>
+              </a:rPr>
+              <a:t>lokam</a:t>
+            </a:r>
+            <a:r>
+              <a:rPr lang="en-US" sz="2400" dirty="0">
+                <a:latin typeface="Arial" panose="020B0604020202020204" pitchFamily="34" charset="0"/>
+                <a:cs typeface="Arial" panose="020B0604020202020204" pitchFamily="34" charset="0"/>
+              </a:rPr>
+              <a:t>, tostarp </a:t>
+            </a:r>
+            <a:r>
+              <a:rPr lang="en-US" sz="2400" dirty="0" err="1">
+                <a:latin typeface="Arial" panose="020B0604020202020204" pitchFamily="34" charset="0"/>
+                <a:cs typeface="Arial" panose="020B0604020202020204" pitchFamily="34" charset="0"/>
+              </a:rPr>
+              <a:t>uzņēmumiem</a:t>
+            </a:r>
+            <a:r>
+              <a:rPr lang="en-US" sz="2400" dirty="0">
+                <a:latin typeface="Arial" panose="020B0604020202020204" pitchFamily="34" charset="0"/>
+                <a:cs typeface="Arial" panose="020B0604020202020204" pitchFamily="34" charset="0"/>
+              </a:rPr>
+              <a:t>, </a:t>
+            </a:r>
+            <a:r>
+              <a:rPr lang="en-US" sz="2400" dirty="0" err="1">
+                <a:latin typeface="Arial" panose="020B0604020202020204" pitchFamily="34" charset="0"/>
+                <a:cs typeface="Arial" panose="020B0604020202020204" pitchFamily="34" charset="0"/>
+              </a:rPr>
+              <a:t>privātpersonām</a:t>
+            </a:r>
+            <a:r>
+              <a:rPr lang="en-US" sz="2400" dirty="0">
+                <a:latin typeface="Arial" panose="020B0604020202020204" pitchFamily="34" charset="0"/>
+                <a:cs typeface="Arial" panose="020B0604020202020204" pitchFamily="34" charset="0"/>
+              </a:rPr>
+              <a:t> un grāmatvežiem, lai ērti veikt, </a:t>
+            </a:r>
+            <a:r>
+              <a:rPr lang="en-US" sz="2400" dirty="0" err="1">
+                <a:latin typeface="Arial" panose="020B0604020202020204" pitchFamily="34" charset="0"/>
+                <a:cs typeface="Arial" panose="020B0604020202020204" pitchFamily="34" charset="0"/>
+              </a:rPr>
+              <a:t>sniegt</a:t>
+            </a:r>
+            <a:r>
+              <a:rPr lang="en-US" sz="2400" dirty="0">
+                <a:latin typeface="Arial" panose="020B0604020202020204" pitchFamily="34" charset="0"/>
+                <a:cs typeface="Arial" panose="020B0604020202020204" pitchFamily="34" charset="0"/>
+              </a:rPr>
+              <a:t> un apskatīt maksājumus.</a:t>
+            </a:r>
+            <a:endParaRPr lang="ru-RU" sz="2400" dirty="0">
+              <a:latin typeface="Arial" panose="020B0604020202020204" pitchFamily="34" charset="0"/>
+              <a:cs typeface="Arial" panose="020B0604020202020204" pitchFamily="34" charset="0"/>
+            </a:endParaRPr>
+          </a:p>
+        </p:txBody>
+      </p:sp>
+    </p:spTree>
+    <p:extLst>
+      <p:ext uri="{BB962C8B-B14F-4D97-AF65-F5344CB8AC3E}">
+        <p14:creationId xmlns:p14="http://schemas.microsoft.com/office/powerpoint/2010/main" val="386660821"/>
+      </p:ext>
+    </p:extLst>
+  </p:cSld>
+  <p:clrMapOvr>
+    <a:masterClrMapping/>
+  </p:clrMapOvr>
+  <mc:AlternateContent xmlns:mc="http://schemas.openxmlformats.org/markup-compatibility/2006">
+    <mc:Choice xmlns:p14="http://schemas.microsoft.com/office/powerpoint/2010/main" Requires="p14">
+      <p:transition spd="slow">
+        <p14:reveal/>
+      </p:transition>
+    </mc:Choice>
+    <mc:Fallback>
+      <p:transition spd="slow">
+        <p:fade/>
+      </p:transition>
+    </mc:Fallback>
+  </mc:AlternateContent>
+  <p:timing>
+    <p:tnLst>
+      <p:par>
+        <p:cTn id="1" dur="indefinite" restart="never" nodeType="tmRoot"/>
+      </p:par>
+    </p:tnLst>
+  </p:timing>
+</p:sld>
+</file>
+
+<file path=ppt/slides/slide5.xml><?xml version="1.0" encoding="utf-8"?>
+<p:sld xmlns:a="http://schemas.openxmlformats.org/drawingml/2006/main" xmlns:r="http://schemas.openxmlformats.org/officeDocument/2006/relationships" xmlns:p="http://schemas.openxmlformats.org/presentationml/2006/main">
+  <p:cSld>
+    <p:spTree>
+      <p:nvGrpSpPr>
+        <p:cNvPr id="1" name=""/>
+        <p:cNvGrpSpPr/>
+        <p:nvPr/>
+      </p:nvGrpSpPr>
+      <p:grpSpPr>
+        <a:xfrm>
+          <a:off x="0" y="0"/>
+          <a:ext cx="0" cy="0"/>
+          <a:chOff x="0" y="0"/>
+          <a:chExt cx="0" cy="0"/>
+        </a:xfrm>
+      </p:grpSpPr>
+      <p:sp>
+        <p:nvSpPr>
+          <p:cNvPr id="2" name="Title 1">
+            <a:extLst>
+              <a:ext uri="{FF2B5EF4-FFF2-40B4-BE49-F238E27FC236}">
+                <a16:creationId xmlns:a16="http://schemas.microsoft.com/office/drawing/2014/main" id="{2061F102-B500-044D-B150-F1882D7D6325}"/>
+              </a:ext>
+            </a:extLst>
+          </p:cNvPr>
+          <p:cNvSpPr>
+            <a:spLocks noGrp="1"/>
+          </p:cNvSpPr>
+          <p:nvPr>
+            <p:ph type="title"/>
+          </p:nvPr>
+        </p:nvSpPr>
+        <p:spPr/>
+        <p:txBody>
+          <a:bodyPr/>
+          <a:lstStyle/>
+          <a:p>
+            <a:r>
+              <a:rPr lang="lv-LV" b="1" dirty="0" smtClean="0">
+                <a:latin typeface="Arial" panose="020B0604020202020204" pitchFamily="34" charset="0"/>
+                <a:cs typeface="Arial" panose="020B0604020202020204" pitchFamily="34" charset="0"/>
+              </a:rPr>
+              <a:t>IZSTRĀDES TEHNOLOĢIJAS</a:t>
+            </a:r>
+            <a:endParaRPr lang="ru-RU" b="1" dirty="0">
+              <a:latin typeface="Arial" panose="020B0604020202020204" pitchFamily="34" charset="0"/>
+              <a:cs typeface="Arial" panose="020B0604020202020204" pitchFamily="34" charset="0"/>
             </a:endParaRPr>
           </a:p>
         </p:txBody>
@@ -5186,7 +5118,7 @@
         </p:blipFill>
         <p:spPr bwMode="auto">
           <a:xfrm>
-            <a:off x="3199962" y="1702589"/>
+            <a:off x="838200" y="1650799"/>
             <a:ext cx="1521852" cy="742252"/>
           </a:xfrm>
           <a:prstGeom prst="rect">
@@ -5227,7 +5159,7 @@
         </p:blipFill>
         <p:spPr bwMode="auto">
           <a:xfrm>
-            <a:off x="5009694" y="1702589"/>
+            <a:off x="2878890" y="1650799"/>
             <a:ext cx="1966230" cy="742252"/>
           </a:xfrm>
           <a:prstGeom prst="rect">
@@ -5268,7 +5200,7 @@
         </p:blipFill>
         <p:spPr bwMode="auto">
           <a:xfrm>
-            <a:off x="4665066" y="2831507"/>
+            <a:off x="2274203" y="2880164"/>
             <a:ext cx="1521852" cy="1521852"/>
           </a:xfrm>
           <a:prstGeom prst="rect">
@@ -5309,7 +5241,7 @@
         </p:blipFill>
         <p:spPr bwMode="auto">
           <a:xfrm>
-            <a:off x="6415882" y="2831507"/>
+            <a:off x="4025019" y="2880164"/>
             <a:ext cx="1120084" cy="1521852"/>
           </a:xfrm>
           <a:prstGeom prst="rect">
@@ -5350,7 +5282,7 @@
         </p:blipFill>
         <p:spPr bwMode="auto">
           <a:xfrm>
-            <a:off x="2533553" y="2813879"/>
+            <a:off x="142690" y="2862536"/>
             <a:ext cx="2854670" cy="1605752"/>
           </a:xfrm>
           <a:prstGeom prst="rect">
@@ -5391,8 +5323,8 @@
         </p:blipFill>
         <p:spPr bwMode="auto">
           <a:xfrm>
-            <a:off x="6419333" y="4905557"/>
-            <a:ext cx="1486318" cy="743159"/>
+            <a:off x="5637275" y="3129211"/>
+            <a:ext cx="2034362" cy="1017181"/>
           </a:xfrm>
           <a:prstGeom prst="rect">
             <a:avLst/>
@@ -5432,7 +5364,7 @@
         </p:blipFill>
         <p:spPr bwMode="auto">
           <a:xfrm>
-            <a:off x="7814421" y="1702589"/>
+            <a:off x="5425992" y="1582894"/>
             <a:ext cx="1776283" cy="742252"/>
           </a:xfrm>
           <a:prstGeom prst="rect">
@@ -5473,8 +5405,8 @@
         </p:blipFill>
         <p:spPr bwMode="auto">
           <a:xfrm>
-            <a:off x="7905651" y="3129211"/>
-            <a:ext cx="1773098" cy="926444"/>
+            <a:off x="7609057" y="2222153"/>
+            <a:ext cx="2451226" cy="1280766"/>
           </a:xfrm>
           <a:prstGeom prst="rect">
             <a:avLst/>
@@ -5514,8 +5446,8 @@
         </p:blipFill>
         <p:spPr bwMode="auto">
           <a:xfrm>
-            <a:off x="4521275" y="4869743"/>
-            <a:ext cx="1471534" cy="827738"/>
+            <a:off x="1050928" y="4979395"/>
+            <a:ext cx="2618247" cy="1472764"/>
           </a:xfrm>
           <a:prstGeom prst="rect">
             <a:avLst/>
@@ -5555,8 +5487,8 @@
         </p:blipFill>
         <p:spPr bwMode="auto">
           <a:xfrm>
-            <a:off x="8147719" y="4441236"/>
-            <a:ext cx="1297992" cy="730121"/>
+            <a:off x="3796055" y="4979395"/>
+            <a:ext cx="2618246" cy="1472764"/>
           </a:xfrm>
           <a:prstGeom prst="rect">
             <a:avLst/>
@@ -5596,8 +5528,8 @@
         </p:blipFill>
         <p:spPr bwMode="auto">
           <a:xfrm>
-            <a:off x="8147720" y="5283612"/>
-            <a:ext cx="1297992" cy="730121"/>
+            <a:off x="6541180" y="4985656"/>
+            <a:ext cx="2607115" cy="1466503"/>
           </a:xfrm>
           <a:prstGeom prst="rect">
             <a:avLst/>
@@ -5624,125 +5556,18 @@
   <p:clrMapOvr>
     <a:masterClrMapping/>
   </p:clrMapOvr>
-  <p:timing>
-    <p:tnLst>
-      <p:par>
-        <p:cTn id="1" dur="indefinite" restart="never" nodeType="tmRoot"/>
-      </p:par>
-    </p:tnLst>
-  </p:timing>
-</p:sld>
-</file>
-
-<file path=ppt/slides/slide5.xml><?xml version="1.0" encoding="utf-8"?>
-<p:sld xmlns:a="http://schemas.openxmlformats.org/drawingml/2006/main" xmlns:r="http://schemas.openxmlformats.org/officeDocument/2006/relationships" xmlns:p="http://schemas.openxmlformats.org/presentationml/2006/main">
-  <p:cSld>
-    <p:spTree>
-      <p:nvGrpSpPr>
-        <p:cNvPr id="1" name=""/>
-        <p:cNvGrpSpPr/>
-        <p:nvPr/>
-      </p:nvGrpSpPr>
-      <p:grpSpPr>
-        <a:xfrm>
-          <a:off x="0" y="0"/>
-          <a:ext cx="0" cy="0"/>
-          <a:chOff x="0" y="0"/>
-          <a:chExt cx="0" cy="0"/>
-        </a:xfrm>
-      </p:grpSpPr>
-      <p:sp>
-        <p:nvSpPr>
-          <p:cNvPr id="2" name="Title 1">
-            <a:extLst>
-              <a:ext uri="{FF2B5EF4-FFF2-40B4-BE49-F238E27FC236}">
-                <a16:creationId xmlns:a16="http://schemas.microsoft.com/office/drawing/2014/main" id="{2061F102-B500-044D-B150-F1882D7D6325}"/>
-              </a:ext>
-            </a:extLst>
-          </p:cNvPr>
-          <p:cNvSpPr>
-            <a:spLocks noGrp="1"/>
-          </p:cNvSpPr>
-          <p:nvPr>
-            <p:ph type="title"/>
-          </p:nvPr>
-        </p:nvSpPr>
-        <p:spPr>
-          <a:xfrm>
-            <a:off x="720754" y="255397"/>
-            <a:ext cx="10515600" cy="933323"/>
-          </a:xfrm>
-        </p:spPr>
-        <p:txBody>
-          <a:bodyPr/>
-          <a:lstStyle/>
-          <a:p>
-            <a:r>
-              <a:rPr lang="lv-LV" b="1" dirty="0" smtClean="0">
-                <a:latin typeface="Times New Roman" panose="02020603050405020304" pitchFamily="18" charset="0"/>
-                <a:cs typeface="Times New Roman" panose="02020603050405020304" pitchFamily="18" charset="0"/>
-              </a:rPr>
-              <a:t>DEKOMPOZĪCIJAS</a:t>
-            </a:r>
-            <a:r>
-              <a:rPr lang="en-US" b="1" dirty="0" smtClean="0">
-                <a:latin typeface="Times New Roman" panose="02020603050405020304" pitchFamily="18" charset="0"/>
-                <a:cs typeface="Times New Roman" panose="02020603050405020304" pitchFamily="18" charset="0"/>
-              </a:rPr>
-              <a:t> </a:t>
-            </a:r>
-            <a:r>
-              <a:rPr lang="lv-LV" b="1" dirty="0" smtClean="0">
-                <a:latin typeface="Times New Roman" panose="02020603050405020304" pitchFamily="18" charset="0"/>
-                <a:cs typeface="Times New Roman" panose="02020603050405020304" pitchFamily="18" charset="0"/>
-              </a:rPr>
-              <a:t>DIAGRAMMA</a:t>
-            </a:r>
-            <a:endParaRPr lang="ru-RU" b="1" dirty="0">
-              <a:latin typeface="Times New Roman" panose="02020603050405020304" pitchFamily="18" charset="0"/>
-              <a:cs typeface="Times New Roman" panose="02020603050405020304" pitchFamily="18" charset="0"/>
-            </a:endParaRPr>
-          </a:p>
-        </p:txBody>
-      </p:sp>
-      <p:pic>
-        <p:nvPicPr>
-          <p:cNvPr id="4" name="Рисунок 3"/>
-          <p:cNvPicPr/>
-          <p:nvPr/>
-        </p:nvPicPr>
-        <p:blipFill>
-          <a:blip r:embed="rId2">
-            <a:extLst>
-              <a:ext uri="{28A0092B-C50C-407E-A947-70E740481C1C}">
-                <a14:useLocalDpi xmlns:a14="http://schemas.microsoft.com/office/drawing/2010/main" val="0"/>
-              </a:ext>
-            </a:extLst>
-          </a:blip>
-          <a:stretch>
-            <a:fillRect/>
-          </a:stretch>
-        </p:blipFill>
-        <p:spPr>
-          <a:xfrm>
-            <a:off x="955645" y="1459473"/>
-            <a:ext cx="8016905" cy="5053085"/>
-          </a:xfrm>
-          <a:prstGeom prst="rect">
-            <a:avLst/>
-          </a:prstGeom>
-        </p:spPr>
-      </p:pic>
-    </p:spTree>
-    <p:extLst>
-      <p:ext uri="{BB962C8B-B14F-4D97-AF65-F5344CB8AC3E}">
-        <p14:creationId xmlns:p14="http://schemas.microsoft.com/office/powerpoint/2010/main" val="2029630983"/>
-      </p:ext>
-    </p:extLst>
-  </p:cSld>
-  <p:clrMapOvr>
-    <a:masterClrMapping/>
-  </p:clrMapOvr>
+  <mc:AlternateContent xmlns:mc="http://schemas.openxmlformats.org/markup-compatibility/2006">
+    <mc:Choice xmlns:p14="http://schemas.microsoft.com/office/powerpoint/2010/main" Requires="p14">
+      <p:transition spd="slow">
+        <p14:reveal/>
+      </p:transition>
+    </mc:Choice>
+    <mc:Fallback>
+      <p:transition spd="slow">
+        <p:fade/>
+      </p:transition>
+    </mc:Fallback>
+  </mc:AlternateContent>
   <p:timing>
     <p:tnLst>
       <p:par>
@@ -5788,7 +5613,7 @@
         </p:nvSpPr>
         <p:spPr>
           <a:xfrm>
-            <a:off x="-428538" y="255397"/>
+            <a:off x="720754" y="255397"/>
             <a:ext cx="10515600" cy="933323"/>
           </a:xfrm>
         </p:spPr>
@@ -5796,43 +5621,52 @@
           <a:bodyPr/>
           <a:lstStyle/>
           <a:p>
-            <a:pPr algn="ctr"/>
             <a:r>
               <a:rPr lang="lv-LV" b="1" dirty="0" smtClean="0">
-                <a:latin typeface="Times New Roman" panose="02020603050405020304" pitchFamily="18" charset="0"/>
-                <a:cs typeface="Times New Roman" panose="02020603050405020304" pitchFamily="18" charset="0"/>
-              </a:rPr>
-              <a:t>ER DIAGRAMMA</a:t>
+                <a:latin typeface="Arial" panose="020B0604020202020204" pitchFamily="34" charset="0"/>
+                <a:cs typeface="Arial" panose="020B0604020202020204" pitchFamily="34" charset="0"/>
+              </a:rPr>
+              <a:t>DEKOMPOZĪCIJAS</a:t>
+            </a:r>
+            <a:r>
+              <a:rPr lang="en-US" b="1" dirty="0" smtClean="0">
+                <a:latin typeface="Arial" panose="020B0604020202020204" pitchFamily="34" charset="0"/>
+                <a:cs typeface="Arial" panose="020B0604020202020204" pitchFamily="34" charset="0"/>
+              </a:rPr>
+              <a:t> </a:t>
+            </a:r>
+            <a:r>
+              <a:rPr lang="lv-LV" b="1" dirty="0" smtClean="0">
+                <a:latin typeface="Arial" panose="020B0604020202020204" pitchFamily="34" charset="0"/>
+                <a:cs typeface="Arial" panose="020B0604020202020204" pitchFamily="34" charset="0"/>
+              </a:rPr>
+              <a:t>DIAGRAMMA</a:t>
             </a:r>
             <a:endParaRPr lang="ru-RU" b="1" dirty="0">
-              <a:latin typeface="Times New Roman" panose="02020603050405020304" pitchFamily="18" charset="0"/>
-              <a:cs typeface="Times New Roman" panose="02020603050405020304" pitchFamily="18" charset="0"/>
+              <a:latin typeface="Arial" panose="020B0604020202020204" pitchFamily="34" charset="0"/>
+              <a:cs typeface="Arial" panose="020B0604020202020204" pitchFamily="34" charset="0"/>
             </a:endParaRPr>
           </a:p>
         </p:txBody>
       </p:sp>
       <p:pic>
         <p:nvPicPr>
-          <p:cNvPr id="5" name="Рисунок 4"/>
-          <p:cNvPicPr/>
+          <p:cNvPr id="3" name="Рисунок 2"/>
+          <p:cNvPicPr>
+            <a:picLocks noChangeAspect="1"/>
+          </p:cNvPicPr>
           <p:nvPr/>
         </p:nvPicPr>
         <p:blipFill>
-          <a:blip r:embed="rId2">
-            <a:extLst>
-              <a:ext uri="{28A0092B-C50C-407E-A947-70E740481C1C}">
-                <a14:useLocalDpi xmlns:a14="http://schemas.microsoft.com/office/drawing/2010/main" val="0"/>
-              </a:ext>
-            </a:extLst>
-          </a:blip>
+          <a:blip r:embed="rId2"/>
           <a:stretch>
             <a:fillRect/>
           </a:stretch>
         </p:blipFill>
         <p:spPr>
           <a:xfrm>
-            <a:off x="1763534" y="1342693"/>
-            <a:ext cx="6131455" cy="5158319"/>
+            <a:off x="1233181" y="1539966"/>
+            <a:ext cx="7651363" cy="4819320"/>
           </a:xfrm>
           <a:prstGeom prst="rect">
             <a:avLst/>
@@ -5842,13 +5676,25 @@
     </p:spTree>
     <p:extLst>
       <p:ext uri="{BB962C8B-B14F-4D97-AF65-F5344CB8AC3E}">
-        <p14:creationId xmlns:p14="http://schemas.microsoft.com/office/powerpoint/2010/main" val="2484163346"/>
+        <p14:creationId xmlns:p14="http://schemas.microsoft.com/office/powerpoint/2010/main" val="2029630983"/>
       </p:ext>
     </p:extLst>
   </p:cSld>
   <p:clrMapOvr>
     <a:masterClrMapping/>
   </p:clrMapOvr>
+  <mc:AlternateContent xmlns:mc="http://schemas.openxmlformats.org/markup-compatibility/2006">
+    <mc:Choice xmlns:p14="http://schemas.microsoft.com/office/powerpoint/2010/main" Requires="p14">
+      <p:transition spd="slow">
+        <p14:reveal/>
+      </p:transition>
+    </mc:Choice>
+    <mc:Fallback>
+      <p:transition spd="slow">
+        <p:fade/>
+      </p:transition>
+    </mc:Fallback>
+  </mc:AlternateContent>
   <p:timing>
     <p:tnLst>
       <p:par>
@@ -5894,76 +5740,25 @@
         </p:nvSpPr>
         <p:spPr>
           <a:xfrm>
-            <a:off x="427139" y="588439"/>
-            <a:ext cx="9622872" cy="933323"/>
+            <a:off x="-376095" y="137951"/>
+            <a:ext cx="10515600" cy="933323"/>
           </a:xfrm>
         </p:spPr>
         <p:txBody>
-          <a:bodyPr>
-            <a:normAutofit fontScale="90000"/>
-          </a:bodyPr>
+          <a:bodyPr/>
           <a:lstStyle/>
           <a:p>
             <a:pPr algn="ctr"/>
             <a:r>
               <a:rPr lang="lv-LV" b="1" dirty="0" smtClean="0">
-                <a:latin typeface="Times New Roman" panose="02020603050405020304" pitchFamily="18" charset="0"/>
-                <a:cs typeface="Times New Roman" panose="02020603050405020304" pitchFamily="18" charset="0"/>
-              </a:rPr>
-              <a:t>DATU PLŪSMU DIAGRAMMA LIETOTĀJA </a:t>
-            </a:r>
-            <a:r>
-              <a:rPr lang="ru-RU" b="1" dirty="0" smtClean="0">
-                <a:latin typeface="Times New Roman" panose="02020603050405020304" pitchFamily="18" charset="0"/>
-                <a:cs typeface="Times New Roman" panose="02020603050405020304" pitchFamily="18" charset="0"/>
-              </a:rPr>
-              <a:t>P</a:t>
-            </a:r>
-            <a:r>
-              <a:rPr lang="lv-LV" b="1" dirty="0" smtClean="0">
-                <a:latin typeface="Times New Roman" panose="02020603050405020304" pitchFamily="18" charset="0"/>
-                <a:cs typeface="Times New Roman" panose="02020603050405020304" pitchFamily="18" charset="0"/>
-              </a:rPr>
-              <a:t>IETEIKŠANĀS</a:t>
-            </a:r>
-            <a:r>
-              <a:rPr lang="lv-LV" b="1" dirty="0">
-                <a:latin typeface="Times New Roman" panose="02020603050405020304" pitchFamily="18" charset="0"/>
-                <a:cs typeface="Times New Roman" panose="02020603050405020304" pitchFamily="18" charset="0"/>
-              </a:rPr>
-              <a:t> </a:t>
-            </a:r>
-            <a:r>
-              <a:rPr lang="lv-LV" b="1" dirty="0" smtClean="0">
-                <a:latin typeface="Times New Roman" panose="02020603050405020304" pitchFamily="18" charset="0"/>
-                <a:cs typeface="Times New Roman" panose="02020603050405020304" pitchFamily="18" charset="0"/>
-              </a:rPr>
-              <a:t>SHĒMA</a:t>
-            </a:r>
-            <a:r>
-              <a:rPr lang="lv-LV" b="1" dirty="0">
-                <a:latin typeface="Times New Roman" panose="02020603050405020304" pitchFamily="18" charset="0"/>
-                <a:cs typeface="Times New Roman" panose="02020603050405020304" pitchFamily="18" charset="0"/>
-              </a:rPr>
-              <a:t>,</a:t>
-            </a:r>
-            <a:r>
-              <a:rPr lang="ru-RU" b="1" dirty="0" smtClean="0">
-                <a:latin typeface="Times New Roman" panose="02020603050405020304" pitchFamily="18" charset="0"/>
-                <a:cs typeface="Times New Roman" panose="02020603050405020304" pitchFamily="18" charset="0"/>
-              </a:rPr>
-              <a:t> </a:t>
-            </a:r>
-            <a:r>
-              <a:rPr lang="lv-LV" b="1" dirty="0" smtClean="0">
-                <a:latin typeface="Times New Roman" panose="02020603050405020304" pitchFamily="18" charset="0"/>
-                <a:cs typeface="Times New Roman" panose="02020603050405020304" pitchFamily="18" charset="0"/>
-              </a:rPr>
-              <a:t>AUTORIZĀCIJA</a:t>
+                <a:latin typeface="Arial" panose="020B0604020202020204" pitchFamily="34" charset="0"/>
+                <a:cs typeface="Arial" panose="020B0604020202020204" pitchFamily="34" charset="0"/>
+              </a:rPr>
+              <a:t>ER DIAGRAMMA</a:t>
             </a:r>
             <a:endParaRPr lang="ru-RU" b="1" dirty="0">
-              <a:latin typeface="Times New Roman" panose="02020603050405020304" pitchFamily="18" charset="0"/>
-              <a:cs typeface="Times New Roman" panose="02020603050405020304" pitchFamily="18" charset="0"/>
+              <a:latin typeface="Arial" panose="020B0604020202020204" pitchFamily="34" charset="0"/>
+              <a:cs typeface="Arial" panose="020B0604020202020204" pitchFamily="34" charset="0"/>
             </a:endParaRPr>
           </a:p>
         </p:txBody>
@@ -5984,8 +5779,8 @@
         </p:blipFill>
         <p:spPr>
           <a:xfrm>
-            <a:off x="1031431" y="3070284"/>
-            <a:ext cx="8414287" cy="2105581"/>
+            <a:off x="1921049" y="1325458"/>
+            <a:ext cx="5921312" cy="5209565"/>
           </a:xfrm>
           <a:prstGeom prst="rect">
             <a:avLst/>
@@ -5995,13 +5790,25 @@
     </p:spTree>
     <p:extLst>
       <p:ext uri="{BB962C8B-B14F-4D97-AF65-F5344CB8AC3E}">
-        <p14:creationId xmlns:p14="http://schemas.microsoft.com/office/powerpoint/2010/main" val="1343991713"/>
+        <p14:creationId xmlns:p14="http://schemas.microsoft.com/office/powerpoint/2010/main" val="2484163346"/>
       </p:ext>
     </p:extLst>
   </p:cSld>
   <p:clrMapOvr>
     <a:masterClrMapping/>
   </p:clrMapOvr>
+  <mc:AlternateContent xmlns:mc="http://schemas.openxmlformats.org/markup-compatibility/2006">
+    <mc:Choice xmlns:p14="http://schemas.microsoft.com/office/powerpoint/2010/main" Requires="p14">
+      <p:transition spd="slow">
+        <p14:reveal/>
+      </p:transition>
+    </mc:Choice>
+    <mc:Fallback>
+      <p:transition spd="slow">
+        <p:fade/>
+      </p:transition>
+    </mc:Fallback>
+  </mc:AlternateContent>
   <p:timing>
     <p:tnLst>
       <p:par>
@@ -6047,71 +5854,88 @@
         </p:nvSpPr>
         <p:spPr>
           <a:xfrm>
-            <a:off x="1047925" y="255397"/>
-            <a:ext cx="10515600" cy="933323"/>
+            <a:off x="259359" y="582567"/>
+            <a:ext cx="9622872" cy="933323"/>
           </a:xfrm>
         </p:spPr>
         <p:txBody>
-          <a:bodyPr/>
-          <a:lstStyle/>
-          <a:p>
+          <a:bodyPr>
+            <a:noAutofit/>
+          </a:bodyPr>
+          <a:lstStyle/>
+          <a:p>
+            <a:pPr algn="ctr"/>
             <a:r>
               <a:rPr lang="lv-LV" b="1" dirty="0" smtClean="0">
-                <a:latin typeface="Times New Roman" panose="02020603050405020304" pitchFamily="18" charset="0"/>
-                <a:cs typeface="Times New Roman" panose="02020603050405020304" pitchFamily="18" charset="0"/>
-              </a:rPr>
-              <a:t>TABULU</a:t>
+                <a:latin typeface="Arial" panose="020B0604020202020204" pitchFamily="34" charset="0"/>
+                <a:cs typeface="Arial" panose="020B0604020202020204" pitchFamily="34" charset="0"/>
+              </a:rPr>
+              <a:t>DATU PLŪSMU DIAGRAMMA LIETOTĀJA </a:t>
+            </a:r>
+            <a:r>
+              <a:rPr lang="ru-RU" b="1" dirty="0" smtClean="0">
+                <a:latin typeface="Arial" panose="020B0604020202020204" pitchFamily="34" charset="0"/>
+                <a:cs typeface="Arial" panose="020B0604020202020204" pitchFamily="34" charset="0"/>
+              </a:rPr>
+              <a:t>P</a:t>
+            </a:r>
+            <a:r>
+              <a:rPr lang="lv-LV" b="1" dirty="0" smtClean="0">
+                <a:latin typeface="Arial" panose="020B0604020202020204" pitchFamily="34" charset="0"/>
+                <a:cs typeface="Arial" panose="020B0604020202020204" pitchFamily="34" charset="0"/>
+              </a:rPr>
+              <a:t>IETEIKŠANĀS</a:t>
             </a:r>
             <a:r>
               <a:rPr lang="lv-LV" b="1" dirty="0">
-                <a:latin typeface="Times New Roman" panose="02020603050405020304" pitchFamily="18" charset="0"/>
-                <a:cs typeface="Times New Roman" panose="02020603050405020304" pitchFamily="18" charset="0"/>
+                <a:latin typeface="Arial" panose="020B0604020202020204" pitchFamily="34" charset="0"/>
+                <a:cs typeface="Arial" panose="020B0604020202020204" pitchFamily="34" charset="0"/>
               </a:rPr>
               <a:t> </a:t>
             </a:r>
             <a:r>
               <a:rPr lang="lv-LV" b="1" dirty="0" smtClean="0">
-                <a:latin typeface="Times New Roman" panose="02020603050405020304" pitchFamily="18" charset="0"/>
-                <a:cs typeface="Times New Roman" panose="02020603050405020304" pitchFamily="18" charset="0"/>
-              </a:rPr>
-              <a:t>RELĀCIJU</a:t>
+                <a:latin typeface="Arial" panose="020B0604020202020204" pitchFamily="34" charset="0"/>
+                <a:cs typeface="Arial" panose="020B0604020202020204" pitchFamily="34" charset="0"/>
+              </a:rPr>
+              <a:t>SHĒMA</a:t>
             </a:r>
             <a:r>
               <a:rPr lang="lv-LV" b="1" dirty="0">
-                <a:latin typeface="Times New Roman" panose="02020603050405020304" pitchFamily="18" charset="0"/>
-                <a:cs typeface="Times New Roman" panose="02020603050405020304" pitchFamily="18" charset="0"/>
+                <a:latin typeface="Arial" panose="020B0604020202020204" pitchFamily="34" charset="0"/>
+                <a:cs typeface="Arial" panose="020B0604020202020204" pitchFamily="34" charset="0"/>
+              </a:rPr>
+              <a:t>,</a:t>
+            </a:r>
+            <a:r>
+              <a:rPr lang="ru-RU" b="1" dirty="0" smtClean="0">
+                <a:latin typeface="Arial" panose="020B0604020202020204" pitchFamily="34" charset="0"/>
+                <a:cs typeface="Arial" panose="020B0604020202020204" pitchFamily="34" charset="0"/>
               </a:rPr>
               <a:t> </a:t>
             </a:r>
             <a:r>
               <a:rPr lang="lv-LV" b="1" dirty="0" smtClean="0">
-                <a:latin typeface="Times New Roman" panose="02020603050405020304" pitchFamily="18" charset="0"/>
-                <a:cs typeface="Times New Roman" panose="02020603050405020304" pitchFamily="18" charset="0"/>
-              </a:rPr>
-              <a:t>SHĒMA</a:t>
-            </a:r>
-            <a:r>
-              <a:rPr lang="en-US" b="1" dirty="0" smtClean="0">
-                <a:latin typeface="Times New Roman" panose="02020603050405020304" pitchFamily="18" charset="0"/>
-                <a:cs typeface="Times New Roman" panose="02020603050405020304" pitchFamily="18" charset="0"/>
-              </a:rPr>
-              <a:t> </a:t>
+                <a:latin typeface="Arial" panose="020B0604020202020204" pitchFamily="34" charset="0"/>
+                <a:cs typeface="Arial" panose="020B0604020202020204" pitchFamily="34" charset="0"/>
+              </a:rPr>
+              <a:t>AUTORIZĀCIJA</a:t>
             </a:r>
             <a:endParaRPr lang="ru-RU" b="1" dirty="0">
-              <a:latin typeface="Times New Roman" panose="02020603050405020304" pitchFamily="18" charset="0"/>
-              <a:cs typeface="Times New Roman" panose="02020603050405020304" pitchFamily="18" charset="0"/>
+              <a:latin typeface="Arial" panose="020B0604020202020204" pitchFamily="34" charset="0"/>
+              <a:cs typeface="Arial" panose="020B0604020202020204" pitchFamily="34" charset="0"/>
             </a:endParaRPr>
           </a:p>
         </p:txBody>
       </p:sp>
       <p:pic>
         <p:nvPicPr>
-          <p:cNvPr id="5" name="Рисунок 4"/>
+          <p:cNvPr id="4" name="Рисунок 3"/>
           <p:cNvPicPr/>
           <p:nvPr/>
         </p:nvPicPr>
         <p:blipFill>
-          <a:blip r:embed="rId2" cstate="print">
+          <a:blip r:embed="rId2">
             <a:extLst>
               <a:ext uri="{28A0092B-C50C-407E-A947-70E740481C1C}">
                 <a14:useLocalDpi xmlns:a14="http://schemas.microsoft.com/office/drawing/2010/main" val="0"/>
@@ -6124,8 +5948,8 @@
         </p:blipFill>
         <p:spPr>
           <a:xfrm>
-            <a:off x="1095463" y="1369976"/>
-            <a:ext cx="7610387" cy="5235946"/>
+            <a:off x="1074422" y="2700129"/>
+            <a:ext cx="7992745" cy="2783205"/>
           </a:xfrm>
           <a:prstGeom prst="rect">
             <a:avLst/>
@@ -6135,13 +5959,25 @@
     </p:spTree>
     <p:extLst>
       <p:ext uri="{BB962C8B-B14F-4D97-AF65-F5344CB8AC3E}">
-        <p14:creationId xmlns:p14="http://schemas.microsoft.com/office/powerpoint/2010/main" val="2680640736"/>
+        <p14:creationId xmlns:p14="http://schemas.microsoft.com/office/powerpoint/2010/main" val="1343991713"/>
       </p:ext>
     </p:extLst>
   </p:cSld>
   <p:clrMapOvr>
     <a:masterClrMapping/>
   </p:clrMapOvr>
+  <mc:AlternateContent xmlns:mc="http://schemas.openxmlformats.org/markup-compatibility/2006">
+    <mc:Choice xmlns:p14="http://schemas.microsoft.com/office/powerpoint/2010/main" Requires="p14">
+      <p:transition spd="slow">
+        <p14:reveal/>
+      </p:transition>
+    </mc:Choice>
+    <mc:Fallback>
+      <p:transition spd="slow">
+        <p:fade/>
+      </p:transition>
+    </mc:Fallback>
+  </mc:AlternateContent>
   <p:timing>
     <p:tnLst>
       <p:par>
@@ -6187,7 +6023,7 @@
         </p:nvSpPr>
         <p:spPr>
           <a:xfrm>
-            <a:off x="-280682" y="255397"/>
+            <a:off x="1047925" y="255397"/>
             <a:ext cx="10515600" cy="933323"/>
           </a:xfrm>
         </p:spPr>
@@ -6195,39 +6031,49 @@
           <a:bodyPr/>
           <a:lstStyle/>
           <a:p>
-            <a:pPr algn="ctr"/>
             <a:r>
               <a:rPr lang="lv-LV" b="1" dirty="0" smtClean="0">
-                <a:latin typeface="Times New Roman" panose="02020603050405020304" pitchFamily="18" charset="0"/>
-                <a:cs typeface="Times New Roman" panose="02020603050405020304" pitchFamily="18" charset="0"/>
-              </a:rPr>
-              <a:t>LAPAS IZSKATS</a:t>
+                <a:latin typeface="Arial" panose="020B0604020202020204" pitchFamily="34" charset="0"/>
+                <a:cs typeface="Arial" panose="020B0604020202020204" pitchFamily="34" charset="0"/>
+              </a:rPr>
+              <a:t>TABULU RELĀCIJU SHĒMA</a:t>
+            </a:r>
+            <a:r>
+              <a:rPr lang="en-US" b="1" dirty="0" smtClean="0">
+                <a:latin typeface="Arial" panose="020B0604020202020204" pitchFamily="34" charset="0"/>
+                <a:cs typeface="Arial" panose="020B0604020202020204" pitchFamily="34" charset="0"/>
+              </a:rPr>
+              <a:t> </a:t>
             </a:r>
             <a:endParaRPr lang="ru-RU" b="1" dirty="0">
-              <a:latin typeface="Times New Roman" panose="02020603050405020304" pitchFamily="18" charset="0"/>
-              <a:cs typeface="Times New Roman" panose="02020603050405020304" pitchFamily="18" charset="0"/>
+              <a:latin typeface="Arial" panose="020B0604020202020204" pitchFamily="34" charset="0"/>
+              <a:cs typeface="Arial" panose="020B0604020202020204" pitchFamily="34" charset="0"/>
             </a:endParaRPr>
           </a:p>
         </p:txBody>
       </p:sp>
       <p:pic>
         <p:nvPicPr>
-          <p:cNvPr id="3" name="Рисунок 2"/>
-          <p:cNvPicPr>
-            <a:picLocks noChangeAspect="1"/>
-          </p:cNvPicPr>
+          <p:cNvPr id="5" name="Рисунок 4"/>
+          <p:cNvPicPr/>
           <p:nvPr/>
         </p:nvPicPr>
         <p:blipFill>
-          <a:blip r:embed="rId2"/>
+          <a:blip r:embed="rId2" cstate="print">
+            <a:extLst>
+              <a:ext uri="{28A0092B-C50C-407E-A947-70E740481C1C}">
+                <a14:useLocalDpi xmlns:a14="http://schemas.microsoft.com/office/drawing/2010/main" val="0"/>
+              </a:ext>
+            </a:extLst>
+          </a:blip>
           <a:stretch>
             <a:fillRect/>
           </a:stretch>
         </p:blipFill>
         <p:spPr>
           <a:xfrm>
-            <a:off x="419405" y="1975838"/>
-            <a:ext cx="9115426" cy="4289332"/>
+            <a:off x="1095463" y="1369976"/>
+            <a:ext cx="7610387" cy="5235946"/>
           </a:xfrm>
           <a:prstGeom prst="rect">
             <a:avLst/>
@@ -6237,13 +6083,25 @@
     </p:spTree>
     <p:extLst>
       <p:ext uri="{BB962C8B-B14F-4D97-AF65-F5344CB8AC3E}">
-        <p14:creationId xmlns:p14="http://schemas.microsoft.com/office/powerpoint/2010/main" val="289869498"/>
+        <p14:creationId xmlns:p14="http://schemas.microsoft.com/office/powerpoint/2010/main" val="2680640736"/>
       </p:ext>
     </p:extLst>
   </p:cSld>
   <p:clrMapOvr>
     <a:masterClrMapping/>
   </p:clrMapOvr>
+  <mc:AlternateContent xmlns:mc="http://schemas.openxmlformats.org/markup-compatibility/2006">
+    <mc:Choice xmlns:p14="http://schemas.microsoft.com/office/powerpoint/2010/main" Requires="p14">
+      <p:transition spd="slow">
+        <p14:reveal/>
+      </p:transition>
+    </mc:Choice>
+    <mc:Fallback>
+      <p:transition spd="slow">
+        <p:fade/>
+      </p:transition>
+    </mc:Fallback>
+  </mc:AlternateContent>
   <p:timing>
     <p:tnLst>
       <p:par>
